--- a/doc/tex/sdf/simplified_coherent_receiver/slides/figures/Simulation_setup_Tx.pptx
+++ b/doc/tex/sdf/simplified_coherent_receiver/slides/figures/Simulation_setup_Tx.pptx
@@ -243,7 +243,7 @@
           <a:p>
             <a:fld id="{2680F75E-BF8A-4352-8DF2-5712531B63DB}" type="datetimeFigureOut">
               <a:rPr lang="pt-PT" smtClean="0"/>
-              <a:t>06/11/2017</a:t>
+              <a:t>09/11/2017</a:t>
             </a:fld>
             <a:endParaRPr lang="pt-PT"/>
           </a:p>
@@ -413,7 +413,7 @@
           <a:p>
             <a:fld id="{2680F75E-BF8A-4352-8DF2-5712531B63DB}" type="datetimeFigureOut">
               <a:rPr lang="pt-PT" smtClean="0"/>
-              <a:t>06/11/2017</a:t>
+              <a:t>09/11/2017</a:t>
             </a:fld>
             <a:endParaRPr lang="pt-PT"/>
           </a:p>
@@ -593,7 +593,7 @@
           <a:p>
             <a:fld id="{2680F75E-BF8A-4352-8DF2-5712531B63DB}" type="datetimeFigureOut">
               <a:rPr lang="pt-PT" smtClean="0"/>
-              <a:t>06/11/2017</a:t>
+              <a:t>09/11/2017</a:t>
             </a:fld>
             <a:endParaRPr lang="pt-PT"/>
           </a:p>
@@ -763,7 +763,7 @@
           <a:p>
             <a:fld id="{2680F75E-BF8A-4352-8DF2-5712531B63DB}" type="datetimeFigureOut">
               <a:rPr lang="pt-PT" smtClean="0"/>
-              <a:t>06/11/2017</a:t>
+              <a:t>09/11/2017</a:t>
             </a:fld>
             <a:endParaRPr lang="pt-PT"/>
           </a:p>
@@ -1009,7 +1009,7 @@
           <a:p>
             <a:fld id="{2680F75E-BF8A-4352-8DF2-5712531B63DB}" type="datetimeFigureOut">
               <a:rPr lang="pt-PT" smtClean="0"/>
-              <a:t>06/11/2017</a:t>
+              <a:t>09/11/2017</a:t>
             </a:fld>
             <a:endParaRPr lang="pt-PT"/>
           </a:p>
@@ -1241,7 +1241,7 @@
           <a:p>
             <a:fld id="{2680F75E-BF8A-4352-8DF2-5712531B63DB}" type="datetimeFigureOut">
               <a:rPr lang="pt-PT" smtClean="0"/>
-              <a:t>06/11/2017</a:t>
+              <a:t>09/11/2017</a:t>
             </a:fld>
             <a:endParaRPr lang="pt-PT"/>
           </a:p>
@@ -1608,7 +1608,7 @@
           <a:p>
             <a:fld id="{2680F75E-BF8A-4352-8DF2-5712531B63DB}" type="datetimeFigureOut">
               <a:rPr lang="pt-PT" smtClean="0"/>
-              <a:t>06/11/2017</a:t>
+              <a:t>09/11/2017</a:t>
             </a:fld>
             <a:endParaRPr lang="pt-PT"/>
           </a:p>
@@ -1726,7 +1726,7 @@
           <a:p>
             <a:fld id="{2680F75E-BF8A-4352-8DF2-5712531B63DB}" type="datetimeFigureOut">
               <a:rPr lang="pt-PT" smtClean="0"/>
-              <a:t>06/11/2017</a:t>
+              <a:t>09/11/2017</a:t>
             </a:fld>
             <a:endParaRPr lang="pt-PT"/>
           </a:p>
@@ -1821,7 +1821,7 @@
           <a:p>
             <a:fld id="{2680F75E-BF8A-4352-8DF2-5712531B63DB}" type="datetimeFigureOut">
               <a:rPr lang="pt-PT" smtClean="0"/>
-              <a:t>06/11/2017</a:t>
+              <a:t>09/11/2017</a:t>
             </a:fld>
             <a:endParaRPr lang="pt-PT"/>
           </a:p>
@@ -2098,7 +2098,7 @@
           <a:p>
             <a:fld id="{2680F75E-BF8A-4352-8DF2-5712531B63DB}" type="datetimeFigureOut">
               <a:rPr lang="pt-PT" smtClean="0"/>
-              <a:t>06/11/2017</a:t>
+              <a:t>09/11/2017</a:t>
             </a:fld>
             <a:endParaRPr lang="pt-PT"/>
           </a:p>
@@ -2351,7 +2351,7 @@
           <a:p>
             <a:fld id="{2680F75E-BF8A-4352-8DF2-5712531B63DB}" type="datetimeFigureOut">
               <a:rPr lang="pt-PT" smtClean="0"/>
-              <a:t>06/11/2017</a:t>
+              <a:t>09/11/2017</a:t>
             </a:fld>
             <a:endParaRPr lang="pt-PT"/>
           </a:p>
@@ -2564,7 +2564,7 @@
           <a:p>
             <a:fld id="{2680F75E-BF8A-4352-8DF2-5712531B63DB}" type="datetimeFigureOut">
               <a:rPr lang="pt-PT" smtClean="0"/>
-              <a:t>06/11/2017</a:t>
+              <a:t>09/11/2017</a:t>
             </a:fld>
             <a:endParaRPr lang="pt-PT"/>
           </a:p>
@@ -2969,2229 +2969,2523 @@
           <a:chExt cx="0" cy="0"/>
         </a:xfrm>
       </p:grpSpPr>
-      <p:grpSp>
-        <p:nvGrpSpPr>
-          <p:cNvPr id="14" name="Group 13"/>
-          <p:cNvGrpSpPr/>
+      <p:sp>
+        <p:nvSpPr>
+          <p:cNvPr id="155" name="Rounded Rectangle 154"/>
+          <p:cNvSpPr/>
           <p:nvPr/>
-        </p:nvGrpSpPr>
-        <p:grpSpPr>
+        </p:nvSpPr>
+        <p:spPr>
           <a:xfrm>
-            <a:off x="1854789" y="157055"/>
-            <a:ext cx="8726325" cy="6510773"/>
-            <a:chOff x="1792645" y="210321"/>
-            <a:chExt cx="8726325" cy="6510773"/>
+            <a:off x="6297630" y="1562471"/>
+            <a:ext cx="1666553" cy="1003495"/>
           </a:xfrm>
-        </p:grpSpPr>
-        <p:grpSp>
-          <p:nvGrpSpPr>
-            <p:cNvPr id="2" name="Group 1"/>
-            <p:cNvGrpSpPr/>
-            <p:nvPr/>
-          </p:nvGrpSpPr>
-          <p:grpSpPr>
-            <a:xfrm>
-              <a:off x="1792645" y="1615736"/>
-              <a:ext cx="8726325" cy="5105358"/>
-              <a:chOff x="1446414" y="772785"/>
-              <a:chExt cx="9470280" cy="5912798"/>
-            </a:xfrm>
-          </p:grpSpPr>
+          <a:prstGeom prst="roundRect">
+            <a:avLst/>
+          </a:prstGeom>
+          <a:ln w="19050"/>
+        </p:spPr>
+        <p:style>
+          <a:lnRef idx="2">
+            <a:schemeClr val="dk1"/>
+          </a:lnRef>
+          <a:fillRef idx="1">
+            <a:schemeClr val="lt1"/>
+          </a:fillRef>
+          <a:effectRef idx="0">
+            <a:schemeClr val="dk1"/>
+          </a:effectRef>
+          <a:fontRef idx="minor">
+            <a:schemeClr val="dk1"/>
+          </a:fontRef>
+        </p:style>
+        <p:txBody>
+          <a:bodyPr rtlCol="0" anchor="ctr"/>
+          <a:lstStyle/>
+          <a:p>
+            <a:pPr algn="ctr"/>
+            <a:r>
+              <a:rPr lang="en-US" b="1" dirty="0" smtClean="0">
+                <a:latin typeface="+mj-lt"/>
+              </a:rPr>
+              <a:t>Discrete to</a:t>
+            </a:r>
+          </a:p>
+          <a:p>
+            <a:pPr algn="ctr"/>
+            <a:r>
+              <a:rPr lang="en-US" b="1" dirty="0" smtClean="0">
+                <a:latin typeface="+mj-lt"/>
+              </a:rPr>
+              <a:t>Continuous</a:t>
+            </a:r>
+          </a:p>
+          <a:p>
+            <a:pPr algn="ctr"/>
+            <a:r>
+              <a:rPr lang="en-US" b="1" dirty="0" smtClean="0">
+                <a:latin typeface="+mj-lt"/>
+              </a:rPr>
+              <a:t>Time</a:t>
+            </a:r>
+            <a:endParaRPr lang="en-US" b="1" dirty="0">
+              <a:latin typeface="+mj-lt"/>
+            </a:endParaRPr>
+          </a:p>
+        </p:txBody>
+      </p:sp>
+      <p:sp>
+        <p:nvSpPr>
+          <p:cNvPr id="169" name="Rounded Rectangle 168"/>
+          <p:cNvSpPr/>
+          <p:nvPr/>
+        </p:nvSpPr>
+        <p:spPr>
+          <a:xfrm>
+            <a:off x="8519006" y="1562470"/>
+            <a:ext cx="1666553" cy="1003495"/>
+          </a:xfrm>
+          <a:prstGeom prst="roundRect">
+            <a:avLst/>
+          </a:prstGeom>
+          <a:ln w="19050"/>
+        </p:spPr>
+        <p:style>
+          <a:lnRef idx="2">
+            <a:schemeClr val="dk1"/>
+          </a:lnRef>
+          <a:fillRef idx="1">
+            <a:schemeClr val="lt1"/>
+          </a:fillRef>
+          <a:effectRef idx="0">
+            <a:schemeClr val="dk1"/>
+          </a:effectRef>
+          <a:fontRef idx="minor">
+            <a:schemeClr val="dk1"/>
+          </a:fontRef>
+        </p:style>
+        <p:txBody>
+          <a:bodyPr rtlCol="0" anchor="ctr"/>
+          <a:lstStyle/>
+          <a:p>
+            <a:pPr algn="ctr"/>
+            <a:r>
+              <a:rPr lang="en-US" b="1" smtClean="0">
+                <a:latin typeface="+mj-lt"/>
+              </a:rPr>
+              <a:t>Pulse Shaping Filter</a:t>
+            </a:r>
+            <a:endParaRPr lang="en-US" b="1" dirty="0">
+              <a:latin typeface="+mj-lt"/>
+            </a:endParaRPr>
+          </a:p>
+        </p:txBody>
+      </p:sp>
+      <p:sp>
+        <p:nvSpPr>
+          <p:cNvPr id="172" name="Rounded Rectangle 171"/>
+          <p:cNvSpPr/>
+          <p:nvPr/>
+        </p:nvSpPr>
+        <p:spPr>
+          <a:xfrm>
+            <a:off x="1859086" y="3726930"/>
+            <a:ext cx="1666553" cy="1003497"/>
+          </a:xfrm>
+          <a:prstGeom prst="roundRect">
+            <a:avLst/>
+          </a:prstGeom>
+          <a:ln w="19050"/>
+        </p:spPr>
+        <p:style>
+          <a:lnRef idx="2">
+            <a:schemeClr val="dk1"/>
+          </a:lnRef>
+          <a:fillRef idx="1">
+            <a:schemeClr val="lt1"/>
+          </a:fillRef>
+          <a:effectRef idx="0">
+            <a:schemeClr val="dk1"/>
+          </a:effectRef>
+          <a:fontRef idx="minor">
+            <a:schemeClr val="dk1"/>
+          </a:fontRef>
+        </p:style>
+        <p:txBody>
+          <a:bodyPr rtlCol="0" anchor="ctr"/>
+          <a:lstStyle/>
+          <a:p>
+            <a:pPr algn="ctr"/>
+            <a:r>
+              <a:rPr lang="en-US" b="1" dirty="0" smtClean="0">
+                <a:latin typeface="+mj-lt"/>
+              </a:rPr>
+              <a:t>Mixer</a:t>
+            </a:r>
+            <a:endParaRPr lang="en-US" b="1" dirty="0">
+              <a:latin typeface="+mj-lt"/>
+            </a:endParaRPr>
+          </a:p>
+        </p:txBody>
+      </p:sp>
+      <p:sp>
+        <p:nvSpPr>
+          <p:cNvPr id="173" name="Rounded Rectangle 172"/>
+          <p:cNvSpPr/>
+          <p:nvPr/>
+        </p:nvSpPr>
+        <p:spPr>
+          <a:xfrm>
+            <a:off x="1854789" y="5663085"/>
+            <a:ext cx="1666553" cy="1003495"/>
+          </a:xfrm>
+          <a:prstGeom prst="roundRect">
+            <a:avLst/>
+          </a:prstGeom>
+          <a:ln w="19050"/>
+        </p:spPr>
+        <p:style>
+          <a:lnRef idx="2">
+            <a:schemeClr val="dk1"/>
+          </a:lnRef>
+          <a:fillRef idx="1">
+            <a:schemeClr val="lt1"/>
+          </a:fillRef>
+          <a:effectRef idx="0">
+            <a:schemeClr val="dk1"/>
+          </a:effectRef>
+          <a:fontRef idx="minor">
+            <a:schemeClr val="dk1"/>
+          </a:fontRef>
+        </p:style>
+        <p:txBody>
+          <a:bodyPr rtlCol="0" anchor="ctr"/>
+          <a:lstStyle/>
+          <a:p>
+            <a:pPr algn="ctr"/>
+            <a:r>
+              <a:rPr lang="en-US" b="1" dirty="0" smtClean="0">
+                <a:latin typeface="+mj-lt"/>
+              </a:rPr>
+              <a:t>Oscillator</a:t>
+            </a:r>
+            <a:endParaRPr lang="en-US" b="1" dirty="0">
+              <a:latin typeface="+mj-lt"/>
+            </a:endParaRPr>
+          </a:p>
+        </p:txBody>
+      </p:sp>
+      <p:sp>
+        <p:nvSpPr>
+          <p:cNvPr id="177" name="Rounded Rectangle 176"/>
+          <p:cNvSpPr/>
+          <p:nvPr/>
+        </p:nvSpPr>
+        <p:spPr>
+          <a:xfrm>
+            <a:off x="4076195" y="1562470"/>
+            <a:ext cx="1666553" cy="1003495"/>
+          </a:xfrm>
+          <a:prstGeom prst="roundRect">
+            <a:avLst/>
+          </a:prstGeom>
+          <a:ln w="19050"/>
+        </p:spPr>
+        <p:style>
+          <a:lnRef idx="2">
+            <a:schemeClr val="dk1"/>
+          </a:lnRef>
+          <a:fillRef idx="1">
+            <a:schemeClr val="lt1"/>
+          </a:fillRef>
+          <a:effectRef idx="0">
+            <a:schemeClr val="dk1"/>
+          </a:effectRef>
+          <a:fontRef idx="minor">
+            <a:schemeClr val="dk1"/>
+          </a:fontRef>
+        </p:style>
+        <p:txBody>
+          <a:bodyPr rtlCol="0" anchor="ctr"/>
+          <a:lstStyle/>
+          <a:p>
+            <a:pPr algn="ctr"/>
+            <a:r>
+              <a:rPr lang="en-US" b="1" dirty="0" smtClean="0">
+                <a:latin typeface="+mj-lt"/>
+              </a:rPr>
+              <a:t>MPAM Mapping</a:t>
+            </a:r>
+            <a:endParaRPr lang="en-US" b="1" dirty="0">
+              <a:latin typeface="+mj-lt"/>
+            </a:endParaRPr>
+          </a:p>
+        </p:txBody>
+      </p:sp>
+      <p:sp>
+        <p:nvSpPr>
+          <p:cNvPr id="178" name="Rounded Rectangle 177"/>
+          <p:cNvSpPr/>
+          <p:nvPr/>
+        </p:nvSpPr>
+        <p:spPr>
+          <a:xfrm>
+            <a:off x="1854789" y="1562470"/>
+            <a:ext cx="1666553" cy="1003495"/>
+          </a:xfrm>
+          <a:prstGeom prst="roundRect">
+            <a:avLst/>
+          </a:prstGeom>
+          <a:ln w="19050"/>
+        </p:spPr>
+        <p:style>
+          <a:lnRef idx="2">
+            <a:schemeClr val="dk1"/>
+          </a:lnRef>
+          <a:fillRef idx="1">
+            <a:schemeClr val="lt1"/>
+          </a:fillRef>
+          <a:effectRef idx="0">
+            <a:schemeClr val="dk1"/>
+          </a:effectRef>
+          <a:fontRef idx="minor">
+            <a:schemeClr val="dk1"/>
+          </a:fontRef>
+        </p:style>
+        <p:txBody>
+          <a:bodyPr rtlCol="0" anchor="ctr"/>
+          <a:lstStyle/>
+          <a:p>
+            <a:pPr algn="ctr"/>
+            <a:r>
+              <a:rPr lang="en-US" b="1" dirty="0" smtClean="0">
+                <a:latin typeface="+mj-lt"/>
+              </a:rPr>
+              <a:t>Binary Sequence</a:t>
+            </a:r>
+            <a:endParaRPr lang="en-US" b="1" dirty="0">
+              <a:latin typeface="+mj-lt"/>
+            </a:endParaRPr>
+          </a:p>
+        </p:txBody>
+      </p:sp>
+      <p:cxnSp>
+        <p:nvCxnSpPr>
+          <p:cNvPr id="159" name="Straight Arrow Connector 158"/>
+          <p:cNvCxnSpPr>
+            <a:stCxn id="178" idx="3"/>
+            <a:endCxn id="177" idx="1"/>
+          </p:cNvCxnSpPr>
+          <p:nvPr/>
+        </p:nvCxnSpPr>
+        <p:spPr>
+          <a:xfrm>
+            <a:off x="3521342" y="2064218"/>
+            <a:ext cx="554853" cy="0"/>
+          </a:xfrm>
+          <a:prstGeom prst="straightConnector1">
+            <a:avLst/>
+          </a:prstGeom>
+          <a:ln w="19050">
+            <a:tailEnd type="triangle"/>
+          </a:ln>
+        </p:spPr>
+        <p:style>
+          <a:lnRef idx="1">
+            <a:schemeClr val="dk1"/>
+          </a:lnRef>
+          <a:fillRef idx="0">
+            <a:schemeClr val="dk1"/>
+          </a:fillRef>
+          <a:effectRef idx="0">
+            <a:schemeClr val="dk1"/>
+          </a:effectRef>
+          <a:fontRef idx="minor">
+            <a:schemeClr val="tx1"/>
+          </a:fontRef>
+        </p:style>
+      </p:cxnSp>
+      <p:cxnSp>
+        <p:nvCxnSpPr>
+          <p:cNvPr id="184" name="Straight Arrow Connector 183"/>
+          <p:cNvCxnSpPr>
+            <a:stCxn id="177" idx="3"/>
+            <a:endCxn id="155" idx="1"/>
+          </p:cNvCxnSpPr>
+          <p:nvPr/>
+        </p:nvCxnSpPr>
+        <p:spPr>
+          <a:xfrm>
+            <a:off x="5742749" y="2064218"/>
+            <a:ext cx="554880" cy="1"/>
+          </a:xfrm>
+          <a:prstGeom prst="straightConnector1">
+            <a:avLst/>
+          </a:prstGeom>
+          <a:ln w="19050">
+            <a:tailEnd type="triangle"/>
+          </a:ln>
+        </p:spPr>
+        <p:style>
+          <a:lnRef idx="1">
+            <a:schemeClr val="dk1"/>
+          </a:lnRef>
+          <a:fillRef idx="0">
+            <a:schemeClr val="dk1"/>
+          </a:fillRef>
+          <a:effectRef idx="0">
+            <a:schemeClr val="dk1"/>
+          </a:effectRef>
+          <a:fontRef idx="minor">
+            <a:schemeClr val="tx1"/>
+          </a:fontRef>
+        </p:style>
+      </p:cxnSp>
+      <p:cxnSp>
+        <p:nvCxnSpPr>
+          <p:cNvPr id="185" name="Straight Arrow Connector 184"/>
+          <p:cNvCxnSpPr>
+            <a:stCxn id="155" idx="3"/>
+            <a:endCxn id="169" idx="1"/>
+          </p:cNvCxnSpPr>
+          <p:nvPr/>
+        </p:nvCxnSpPr>
+        <p:spPr>
+          <a:xfrm flipV="1">
+            <a:off x="7964183" y="2064218"/>
+            <a:ext cx="554823" cy="1"/>
+          </a:xfrm>
+          <a:prstGeom prst="straightConnector1">
+            <a:avLst/>
+          </a:prstGeom>
+          <a:ln w="19050">
+            <a:tailEnd type="triangle"/>
+          </a:ln>
+        </p:spPr>
+        <p:style>
+          <a:lnRef idx="1">
+            <a:schemeClr val="dk1"/>
+          </a:lnRef>
+          <a:fillRef idx="0">
+            <a:schemeClr val="dk1"/>
+          </a:fillRef>
+          <a:effectRef idx="0">
+            <a:schemeClr val="dk1"/>
+          </a:effectRef>
+          <a:fontRef idx="minor">
+            <a:schemeClr val="tx1"/>
+          </a:fontRef>
+        </p:style>
+      </p:cxnSp>
+      <p:cxnSp>
+        <p:nvCxnSpPr>
+          <p:cNvPr id="199" name="Straight Arrow Connector 198"/>
+          <p:cNvCxnSpPr>
+            <a:stCxn id="173" idx="0"/>
+            <a:endCxn id="172" idx="2"/>
+          </p:cNvCxnSpPr>
+          <p:nvPr/>
+        </p:nvCxnSpPr>
+        <p:spPr>
+          <a:xfrm flipV="1">
+            <a:off x="2688066" y="4730427"/>
+            <a:ext cx="4297" cy="932659"/>
+          </a:xfrm>
+          <a:prstGeom prst="straightConnector1">
+            <a:avLst/>
+          </a:prstGeom>
+          <a:ln w="19050">
+            <a:tailEnd type="triangle"/>
+          </a:ln>
+        </p:spPr>
+        <p:style>
+          <a:lnRef idx="1">
+            <a:schemeClr val="dk1"/>
+          </a:lnRef>
+          <a:fillRef idx="0">
+            <a:schemeClr val="dk1"/>
+          </a:fillRef>
+          <a:effectRef idx="0">
+            <a:schemeClr val="dk1"/>
+          </a:effectRef>
+          <a:fontRef idx="minor">
+            <a:schemeClr val="tx1"/>
+          </a:fontRef>
+        </p:style>
+      </p:cxnSp>
+      <mc:AlternateContent xmlns:mc="http://schemas.openxmlformats.org/markup-compatibility/2006" xmlns:a14="http://schemas.microsoft.com/office/drawing/2010/main">
+        <mc:Choice Requires="a14">
           <p:sp>
             <p:nvSpPr>
-              <p:cNvPr id="155" name="Rounded Rectangle 154"/>
-              <p:cNvSpPr/>
+              <p:cNvPr id="234" name="TextBox 233"/>
+              <p:cNvSpPr txBox="1"/>
               <p:nvPr/>
             </p:nvSpPr>
             <p:spPr>
               <a:xfrm>
-                <a:off x="6268025" y="772786"/>
-                <a:ext cx="1808634" cy="1162203"/>
+                <a:off x="3664978" y="1724146"/>
+                <a:ext cx="261383" cy="239173"/>
               </a:xfrm>
-              <a:prstGeom prst="roundRect">
+              <a:prstGeom prst="rect">
                 <a:avLst/>
               </a:prstGeom>
-              <a:ln w="19050"/>
+              <a:noFill/>
             </p:spPr>
-            <p:style>
-              <a:lnRef idx="2">
-                <a:schemeClr val="dk1"/>
-              </a:lnRef>
-              <a:fillRef idx="1">
-                <a:schemeClr val="lt1"/>
-              </a:fillRef>
-              <a:effectRef idx="0">
-                <a:schemeClr val="dk1"/>
-              </a:effectRef>
-              <a:fontRef idx="minor">
-                <a:schemeClr val="dk1"/>
-              </a:fontRef>
-            </p:style>
             <p:txBody>
-              <a:bodyPr rtlCol="0" anchor="ctr"/>
+              <a:bodyPr wrap="none" lIns="0" tIns="0" rIns="0" bIns="0" rtlCol="0">
+                <a:spAutoFit/>
+              </a:bodyPr>
               <a:lstStyle/>
               <a:p>
-                <a:pPr algn="ctr"/>
-                <a:r>
-                  <a:rPr lang="en-US" b="1" dirty="0">
-                    <a:latin typeface="+mj-lt"/>
-                  </a:rPr>
-                  <a:t>Discrete to</a:t>
-                </a:r>
-              </a:p>
-              <a:p>
-                <a:pPr algn="ctr"/>
-                <a:r>
-                  <a:rPr lang="en-US" b="1" dirty="0">
-                    <a:latin typeface="+mj-lt"/>
-                  </a:rPr>
-                  <a:t>Continuous</a:t>
-                </a:r>
-              </a:p>
-              <a:p>
-                <a:pPr algn="ctr"/>
-                <a:r>
-                  <a:rPr lang="en-US" b="1" dirty="0" smtClean="0">
-                    <a:latin typeface="+mj-lt"/>
-                  </a:rPr>
-                  <a:t>Time</a:t>
-                </a:r>
+                <a:pPr/>
+                <a14:m>
+                  <m:oMathPara xmlns:m="http://schemas.openxmlformats.org/officeDocument/2006/math">
+                    <m:oMathParaPr>
+                      <m:jc m:val="centerGroup"/>
+                    </m:oMathParaPr>
+                    <m:oMath xmlns:m="http://schemas.openxmlformats.org/officeDocument/2006/math">
+                      <m:sSub>
+                        <m:sSubPr>
+                          <m:ctrlPr>
+                            <a:rPr lang="en-US" b="1" i="1" smtClean="0">
+                              <a:latin typeface="Cambria Math" panose="02040503050406030204" pitchFamily="18" charset="0"/>
+                            </a:rPr>
+                          </m:ctrlPr>
+                        </m:sSubPr>
+                        <m:e>
+                          <m:r>
+                            <a:rPr lang="en-US" b="1" i="0" smtClean="0">
+                              <a:latin typeface="Cambria Math" panose="02040503050406030204" pitchFamily="18" charset="0"/>
+                            </a:rPr>
+                            <m:t>𝐒</m:t>
+                          </m:r>
+                        </m:e>
+                        <m:sub>
+                          <m:r>
+                            <a:rPr lang="en-US" b="1" i="0" smtClean="0">
+                              <a:latin typeface="Cambria Math" panose="02040503050406030204" pitchFamily="18" charset="0"/>
+                            </a:rPr>
+                            <m:t>𝟏</m:t>
+                          </m:r>
+                        </m:sub>
+                      </m:sSub>
+                    </m:oMath>
+                  </m:oMathPara>
+                </a14:m>
                 <a:endParaRPr lang="en-US" b="1" dirty="0">
                   <a:latin typeface="+mj-lt"/>
                 </a:endParaRPr>
               </a:p>
             </p:txBody>
           </p:sp>
+        </mc:Choice>
+        <mc:Fallback xmlns="">
           <p:sp>
             <p:nvSpPr>
-              <p:cNvPr id="169" name="Rounded Rectangle 168"/>
-              <p:cNvSpPr/>
+              <p:cNvPr id="234" name="TextBox 233"/>
+              <p:cNvSpPr txBox="1">
+                <a:spLocks noRot="1" noChangeAspect="1" noMove="1" noResize="1" noEditPoints="1" noAdjustHandles="1" noChangeArrowheads="1" noChangeShapeType="1" noTextEdit="1"/>
+              </p:cNvSpPr>
               <p:nvPr/>
             </p:nvSpPr>
             <p:spPr>
               <a:xfrm>
-                <a:off x="8678783" y="772785"/>
-                <a:ext cx="1808634" cy="1162203"/>
+                <a:off x="3664978" y="1724146"/>
+                <a:ext cx="261383" cy="239173"/>
               </a:xfrm>
-              <a:prstGeom prst="roundRect">
+              <a:prstGeom prst="rect">
                 <a:avLst/>
               </a:prstGeom>
-              <a:ln w="19050"/>
+              <a:blipFill>
+                <a:blip r:embed="rId2"/>
+                <a:stretch>
+                  <a:fillRect l="-25581" r="-13953" b="-35897"/>
+                </a:stretch>
+              </a:blipFill>
             </p:spPr>
-            <p:style>
-              <a:lnRef idx="2">
-                <a:schemeClr val="dk1"/>
-              </a:lnRef>
-              <a:fillRef idx="1">
-                <a:schemeClr val="lt1"/>
-              </a:fillRef>
-              <a:effectRef idx="0">
-                <a:schemeClr val="dk1"/>
-              </a:effectRef>
-              <a:fontRef idx="minor">
-                <a:schemeClr val="dk1"/>
-              </a:fontRef>
-            </p:style>
             <p:txBody>
-              <a:bodyPr rtlCol="0" anchor="ctr"/>
+              <a:bodyPr/>
               <a:lstStyle/>
               <a:p>
-                <a:pPr algn="ctr"/>
                 <a:r>
-                  <a:rPr lang="en-US" b="1" dirty="0">
-                    <a:latin typeface="+mj-lt"/>
+                  <a:rPr lang="en-US">
+                    <a:noFill/>
                   </a:rPr>
-                  <a:t>Pulse Shaping </a:t>
+                  <a:t> </a:t>
                 </a:r>
-                <a:r>
-                  <a:rPr lang="en-US" b="1" dirty="0" smtClean="0">
-                    <a:latin typeface="+mj-lt"/>
-                  </a:rPr>
-                  <a:t>Filter</a:t>
-                </a:r>
+              </a:p>
+            </p:txBody>
+          </p:sp>
+        </mc:Fallback>
+      </mc:AlternateContent>
+      <mc:AlternateContent xmlns:mc="http://schemas.openxmlformats.org/markup-compatibility/2006" xmlns:a14="http://schemas.microsoft.com/office/drawing/2010/main">
+        <mc:Choice Requires="a14">
+          <p:sp>
+            <p:nvSpPr>
+              <p:cNvPr id="235" name="TextBox 234"/>
+              <p:cNvSpPr txBox="1"/>
+              <p:nvPr/>
+            </p:nvSpPr>
+            <p:spPr>
+              <a:xfrm>
+                <a:off x="5897216" y="1724146"/>
+                <a:ext cx="261383" cy="239173"/>
+              </a:xfrm>
+              <a:prstGeom prst="rect">
+                <a:avLst/>
+              </a:prstGeom>
+              <a:noFill/>
+            </p:spPr>
+            <p:txBody>
+              <a:bodyPr wrap="none" lIns="0" tIns="0" rIns="0" bIns="0" rtlCol="0">
+                <a:spAutoFit/>
+              </a:bodyPr>
+              <a:lstStyle/>
+              <a:p>
+                <a:pPr/>
+                <a14:m>
+                  <m:oMathPara xmlns:m="http://schemas.openxmlformats.org/officeDocument/2006/math">
+                    <m:oMathParaPr>
+                      <m:jc m:val="centerGroup"/>
+                    </m:oMathParaPr>
+                    <m:oMath xmlns:m="http://schemas.openxmlformats.org/officeDocument/2006/math">
+                      <m:sSub>
+                        <m:sSubPr>
+                          <m:ctrlPr>
+                            <a:rPr lang="en-US" b="1" i="1" smtClean="0">
+                              <a:latin typeface="Cambria Math" panose="02040503050406030204" pitchFamily="18" charset="0"/>
+                            </a:rPr>
+                          </m:ctrlPr>
+                        </m:sSubPr>
+                        <m:e>
+                          <m:r>
+                            <a:rPr lang="en-US" b="1" i="0" smtClean="0">
+                              <a:latin typeface="Cambria Math" panose="02040503050406030204" pitchFamily="18" charset="0"/>
+                            </a:rPr>
+                            <m:t>𝐒</m:t>
+                          </m:r>
+                        </m:e>
+                        <m:sub>
+                          <m:r>
+                            <a:rPr lang="en-US" b="1" i="0" smtClean="0">
+                              <a:latin typeface="Cambria Math" panose="02040503050406030204" pitchFamily="18" charset="0"/>
+                            </a:rPr>
+                            <m:t>𝟐</m:t>
+                          </m:r>
+                        </m:sub>
+                      </m:sSub>
+                    </m:oMath>
+                  </m:oMathPara>
+                </a14:m>
                 <a:endParaRPr lang="en-US" b="1" dirty="0">
                   <a:latin typeface="+mj-lt"/>
                 </a:endParaRPr>
               </a:p>
             </p:txBody>
           </p:sp>
+        </mc:Choice>
+        <mc:Fallback xmlns="">
           <p:sp>
             <p:nvSpPr>
-              <p:cNvPr id="172" name="Rounded Rectangle 171"/>
-              <p:cNvSpPr/>
+              <p:cNvPr id="235" name="TextBox 234"/>
+              <p:cNvSpPr txBox="1">
+                <a:spLocks noRot="1" noChangeAspect="1" noMove="1" noResize="1" noEditPoints="1" noAdjustHandles="1" noChangeArrowheads="1" noChangeShapeType="1" noTextEdit="1"/>
+              </p:cNvSpPr>
               <p:nvPr/>
             </p:nvSpPr>
             <p:spPr>
               <a:xfrm>
-                <a:off x="1451077" y="3279566"/>
-                <a:ext cx="1808634" cy="1162205"/>
+                <a:off x="5897216" y="1724146"/>
+                <a:ext cx="261383" cy="239173"/>
               </a:xfrm>
-              <a:prstGeom prst="roundRect">
+              <a:prstGeom prst="rect">
                 <a:avLst/>
               </a:prstGeom>
-              <a:ln w="19050"/>
+              <a:blipFill>
+                <a:blip r:embed="rId3"/>
+                <a:stretch>
+                  <a:fillRect l="-25581" r="-13953" b="-35897"/>
+                </a:stretch>
+              </a:blipFill>
             </p:spPr>
-            <p:style>
-              <a:lnRef idx="2">
-                <a:schemeClr val="dk1"/>
-              </a:lnRef>
-              <a:fillRef idx="1">
-                <a:schemeClr val="lt1"/>
-              </a:fillRef>
-              <a:effectRef idx="0">
-                <a:schemeClr val="dk1"/>
-              </a:effectRef>
-              <a:fontRef idx="minor">
-                <a:schemeClr val="dk1"/>
-              </a:fontRef>
-            </p:style>
             <p:txBody>
-              <a:bodyPr rtlCol="0" anchor="ctr"/>
+              <a:bodyPr/>
               <a:lstStyle/>
               <a:p>
-                <a:pPr algn="ctr"/>
                 <a:r>
-                  <a:rPr lang="en-US" b="1" dirty="0" smtClean="0">
-                    <a:latin typeface="+mj-lt"/>
+                  <a:rPr lang="en-US">
+                    <a:noFill/>
                   </a:rPr>
-                  <a:t>Mixer</a:t>
+                  <a:t> </a:t>
                 </a:r>
+              </a:p>
+            </p:txBody>
+          </p:sp>
+        </mc:Fallback>
+      </mc:AlternateContent>
+      <mc:AlternateContent xmlns:mc="http://schemas.openxmlformats.org/markup-compatibility/2006" xmlns:a14="http://schemas.microsoft.com/office/drawing/2010/main">
+        <mc:Choice Requires="a14">
+          <p:sp>
+            <p:nvSpPr>
+              <p:cNvPr id="236" name="TextBox 235"/>
+              <p:cNvSpPr txBox="1"/>
+              <p:nvPr/>
+            </p:nvSpPr>
+            <p:spPr>
+              <a:xfrm>
+                <a:off x="8145469" y="1705232"/>
+                <a:ext cx="219436" cy="276999"/>
+              </a:xfrm>
+              <a:prstGeom prst="rect">
+                <a:avLst/>
+              </a:prstGeom>
+              <a:noFill/>
+            </p:spPr>
+            <p:txBody>
+              <a:bodyPr wrap="square" lIns="0" tIns="0" rIns="0" bIns="0" rtlCol="0">
+                <a:spAutoFit/>
+              </a:bodyPr>
+              <a:lstStyle/>
+              <a:p>
+                <a:pPr/>
+                <a14:m>
+                  <m:oMathPara xmlns:m="http://schemas.openxmlformats.org/officeDocument/2006/math">
+                    <m:oMathParaPr>
+                      <m:jc m:val="centerGroup"/>
+                    </m:oMathParaPr>
+                    <m:oMath xmlns:m="http://schemas.openxmlformats.org/officeDocument/2006/math">
+                      <m:sSub>
+                        <m:sSubPr>
+                          <m:ctrlPr>
+                            <a:rPr lang="en-US" b="1" i="1" smtClean="0">
+                              <a:latin typeface="Cambria Math" panose="02040503050406030204" pitchFamily="18" charset="0"/>
+                            </a:rPr>
+                          </m:ctrlPr>
+                        </m:sSubPr>
+                        <m:e>
+                          <m:r>
+                            <a:rPr lang="en-US" b="1" i="0" smtClean="0">
+                              <a:latin typeface="Cambria Math" panose="02040503050406030204" pitchFamily="18" charset="0"/>
+                            </a:rPr>
+                            <m:t>𝐒</m:t>
+                          </m:r>
+                        </m:e>
+                        <m:sub>
+                          <m:r>
+                            <a:rPr lang="en-US" b="1" i="0" smtClean="0">
+                              <a:latin typeface="Cambria Math" panose="02040503050406030204" pitchFamily="18" charset="0"/>
+                            </a:rPr>
+                            <m:t>𝟑</m:t>
+                          </m:r>
+                        </m:sub>
+                      </m:sSub>
+                    </m:oMath>
+                  </m:oMathPara>
+                </a14:m>
                 <a:endParaRPr lang="en-US" b="1" dirty="0">
                   <a:latin typeface="+mj-lt"/>
                 </a:endParaRPr>
               </a:p>
             </p:txBody>
           </p:sp>
+        </mc:Choice>
+        <mc:Fallback xmlns="">
           <p:sp>
             <p:nvSpPr>
-              <p:cNvPr id="173" name="Rounded Rectangle 172"/>
-              <p:cNvSpPr/>
+              <p:cNvPr id="236" name="TextBox 235"/>
+              <p:cNvSpPr txBox="1">
+                <a:spLocks noRot="1" noChangeAspect="1" noMove="1" noResize="1" noEditPoints="1" noAdjustHandles="1" noChangeArrowheads="1" noChangeShapeType="1" noTextEdit="1"/>
+              </p:cNvSpPr>
               <p:nvPr/>
             </p:nvSpPr>
             <p:spPr>
               <a:xfrm>
-                <a:off x="1446414" y="5521935"/>
-                <a:ext cx="1808634" cy="1162203"/>
+                <a:off x="8145469" y="1705232"/>
+                <a:ext cx="219436" cy="276999"/>
               </a:xfrm>
-              <a:prstGeom prst="roundRect">
+              <a:prstGeom prst="rect">
                 <a:avLst/>
               </a:prstGeom>
-              <a:ln w="19050"/>
+              <a:blipFill>
+                <a:blip r:embed="rId4"/>
+                <a:stretch>
+                  <a:fillRect l="-36111" r="-30556" b="-17778"/>
+                </a:stretch>
+              </a:blipFill>
             </p:spPr>
-            <p:style>
-              <a:lnRef idx="2">
-                <a:schemeClr val="dk1"/>
-              </a:lnRef>
-              <a:fillRef idx="1">
-                <a:schemeClr val="lt1"/>
-              </a:fillRef>
-              <a:effectRef idx="0">
-                <a:schemeClr val="dk1"/>
-              </a:effectRef>
-              <a:fontRef idx="minor">
-                <a:schemeClr val="dk1"/>
-              </a:fontRef>
-            </p:style>
             <p:txBody>
-              <a:bodyPr rtlCol="0" anchor="ctr"/>
+              <a:bodyPr/>
               <a:lstStyle/>
               <a:p>
-                <a:pPr algn="ctr"/>
                 <a:r>
-                  <a:rPr lang="en-US" b="1" dirty="0" smtClean="0">
-                    <a:latin typeface="+mj-lt"/>
+                  <a:rPr lang="en-US">
+                    <a:noFill/>
                   </a:rPr>
-                  <a:t>Oscillator</a:t>
+                  <a:t> </a:t>
                 </a:r>
+              </a:p>
+            </p:txBody>
+          </p:sp>
+        </mc:Fallback>
+      </mc:AlternateContent>
+      <mc:AlternateContent xmlns:mc="http://schemas.openxmlformats.org/markup-compatibility/2006" xmlns:a14="http://schemas.microsoft.com/office/drawing/2010/main">
+        <mc:Choice Requires="a14">
+          <p:sp>
+            <p:nvSpPr>
+              <p:cNvPr id="237" name="TextBox 236"/>
+              <p:cNvSpPr txBox="1"/>
+              <p:nvPr/>
+            </p:nvSpPr>
+            <p:spPr>
+              <a:xfrm>
+                <a:off x="10319731" y="1724144"/>
+                <a:ext cx="261383" cy="239173"/>
+              </a:xfrm>
+              <a:prstGeom prst="rect">
+                <a:avLst/>
+              </a:prstGeom>
+              <a:noFill/>
+            </p:spPr>
+            <p:txBody>
+              <a:bodyPr wrap="none" lIns="0" tIns="0" rIns="0" bIns="0" rtlCol="0">
+                <a:spAutoFit/>
+              </a:bodyPr>
+              <a:lstStyle/>
+              <a:p>
+                <a:pPr/>
+                <a14:m>
+                  <m:oMathPara xmlns:m="http://schemas.openxmlformats.org/officeDocument/2006/math">
+                    <m:oMathParaPr>
+                      <m:jc m:val="centerGroup"/>
+                    </m:oMathParaPr>
+                    <m:oMath xmlns:m="http://schemas.openxmlformats.org/officeDocument/2006/math">
+                      <m:sSub>
+                        <m:sSubPr>
+                          <m:ctrlPr>
+                            <a:rPr lang="en-US" b="1" i="1" smtClean="0">
+                              <a:latin typeface="Cambria Math" panose="02040503050406030204" pitchFamily="18" charset="0"/>
+                            </a:rPr>
+                          </m:ctrlPr>
+                        </m:sSubPr>
+                        <m:e>
+                          <m:r>
+                            <a:rPr lang="en-US" b="1" i="0" smtClean="0">
+                              <a:latin typeface="Cambria Math" panose="02040503050406030204" pitchFamily="18" charset="0"/>
+                            </a:rPr>
+                            <m:t>𝐒</m:t>
+                          </m:r>
+                        </m:e>
+                        <m:sub>
+                          <m:r>
+                            <a:rPr lang="en-US" b="1" i="0" smtClean="0">
+                              <a:latin typeface="Cambria Math" panose="02040503050406030204" pitchFamily="18" charset="0"/>
+                            </a:rPr>
+                            <m:t>𝟒</m:t>
+                          </m:r>
+                        </m:sub>
+                      </m:sSub>
+                    </m:oMath>
+                  </m:oMathPara>
+                </a14:m>
                 <a:endParaRPr lang="en-US" b="1" dirty="0">
                   <a:latin typeface="+mj-lt"/>
                 </a:endParaRPr>
               </a:p>
             </p:txBody>
           </p:sp>
+        </mc:Choice>
+        <mc:Fallback xmlns="">
           <p:sp>
             <p:nvSpPr>
-              <p:cNvPr id="177" name="Rounded Rectangle 176"/>
-              <p:cNvSpPr/>
+              <p:cNvPr id="237" name="TextBox 236"/>
+              <p:cNvSpPr txBox="1">
+                <a:spLocks noRot="1" noChangeAspect="1" noMove="1" noResize="1" noEditPoints="1" noAdjustHandles="1" noChangeArrowheads="1" noChangeShapeType="1" noTextEdit="1"/>
+              </p:cNvSpPr>
               <p:nvPr/>
             </p:nvSpPr>
             <p:spPr>
               <a:xfrm>
-                <a:off x="3857204" y="772785"/>
-                <a:ext cx="1808634" cy="1162203"/>
+                <a:off x="10319731" y="1724144"/>
+                <a:ext cx="261383" cy="239173"/>
               </a:xfrm>
-              <a:prstGeom prst="roundRect">
+              <a:prstGeom prst="rect">
                 <a:avLst/>
               </a:prstGeom>
-              <a:ln w="19050"/>
+              <a:blipFill>
+                <a:blip r:embed="rId5"/>
+                <a:stretch>
+                  <a:fillRect l="-27907" r="-13953" b="-35897"/>
+                </a:stretch>
+              </a:blipFill>
             </p:spPr>
-            <p:style>
-              <a:lnRef idx="2">
-                <a:schemeClr val="dk1"/>
-              </a:lnRef>
-              <a:fillRef idx="1">
-                <a:schemeClr val="lt1"/>
-              </a:fillRef>
-              <a:effectRef idx="0">
-                <a:schemeClr val="dk1"/>
-              </a:effectRef>
-              <a:fontRef idx="minor">
-                <a:schemeClr val="dk1"/>
-              </a:fontRef>
-            </p:style>
             <p:txBody>
-              <a:bodyPr rtlCol="0" anchor="ctr"/>
+              <a:bodyPr/>
               <a:lstStyle/>
               <a:p>
-                <a:pPr algn="ctr"/>
                 <a:r>
-                  <a:rPr lang="en-US" b="1" dirty="0" smtClean="0">
-                    <a:latin typeface="+mj-lt"/>
+                  <a:rPr lang="en-US">
+                    <a:noFill/>
                   </a:rPr>
-                  <a:t>MPAM Mapping</a:t>
+                  <a:t> </a:t>
                 </a:r>
+              </a:p>
+            </p:txBody>
+          </p:sp>
+        </mc:Fallback>
+      </mc:AlternateContent>
+      <mc:AlternateContent xmlns:mc="http://schemas.openxmlformats.org/markup-compatibility/2006" xmlns:a14="http://schemas.microsoft.com/office/drawing/2010/main">
+        <mc:Choice Requires="a14">
+          <p:sp>
+            <p:nvSpPr>
+              <p:cNvPr id="238" name="TextBox 237"/>
+              <p:cNvSpPr txBox="1"/>
+              <p:nvPr/>
+            </p:nvSpPr>
+            <p:spPr>
+              <a:xfrm>
+                <a:off x="2714778" y="4826295"/>
+                <a:ext cx="261383" cy="239173"/>
+              </a:xfrm>
+              <a:prstGeom prst="rect">
+                <a:avLst/>
+              </a:prstGeom>
+              <a:noFill/>
+            </p:spPr>
+            <p:txBody>
+              <a:bodyPr wrap="none" lIns="0" tIns="0" rIns="0" bIns="0" rtlCol="0">
+                <a:spAutoFit/>
+              </a:bodyPr>
+              <a:lstStyle/>
+              <a:p>
+                <a:pPr/>
+                <a14:m>
+                  <m:oMathPara xmlns:m="http://schemas.openxmlformats.org/officeDocument/2006/math">
+                    <m:oMathParaPr>
+                      <m:jc m:val="centerGroup"/>
+                    </m:oMathParaPr>
+                    <m:oMath xmlns:m="http://schemas.openxmlformats.org/officeDocument/2006/math">
+                      <m:sSub>
+                        <m:sSubPr>
+                          <m:ctrlPr>
+                            <a:rPr lang="en-US" b="1" i="1" smtClean="0">
+                              <a:latin typeface="Cambria Math" panose="02040503050406030204" pitchFamily="18" charset="0"/>
+                            </a:rPr>
+                          </m:ctrlPr>
+                        </m:sSubPr>
+                        <m:e>
+                          <m:r>
+                            <a:rPr lang="en-US" b="1" i="0" smtClean="0">
+                              <a:latin typeface="Cambria Math" panose="02040503050406030204" pitchFamily="18" charset="0"/>
+                            </a:rPr>
+                            <m:t>𝐒</m:t>
+                          </m:r>
+                        </m:e>
+                        <m:sub>
+                          <m:r>
+                            <a:rPr lang="en-US" b="1" i="0" smtClean="0">
+                              <a:latin typeface="Cambria Math" panose="02040503050406030204" pitchFamily="18" charset="0"/>
+                            </a:rPr>
+                            <m:t>𝟓</m:t>
+                          </m:r>
+                        </m:sub>
+                      </m:sSub>
+                    </m:oMath>
+                  </m:oMathPara>
+                </a14:m>
                 <a:endParaRPr lang="en-US" b="1" dirty="0">
                   <a:latin typeface="+mj-lt"/>
                 </a:endParaRPr>
               </a:p>
             </p:txBody>
           </p:sp>
+        </mc:Choice>
+        <mc:Fallback xmlns="">
           <p:sp>
             <p:nvSpPr>
-              <p:cNvPr id="178" name="Rounded Rectangle 177"/>
-              <p:cNvSpPr/>
+              <p:cNvPr id="238" name="TextBox 237"/>
+              <p:cNvSpPr txBox="1">
+                <a:spLocks noRot="1" noChangeAspect="1" noMove="1" noResize="1" noEditPoints="1" noAdjustHandles="1" noChangeArrowheads="1" noChangeShapeType="1" noTextEdit="1"/>
+              </p:cNvSpPr>
               <p:nvPr/>
             </p:nvSpPr>
             <p:spPr>
               <a:xfrm>
-                <a:off x="1446414" y="772785"/>
-                <a:ext cx="1808634" cy="1162203"/>
+                <a:off x="2714778" y="4826295"/>
+                <a:ext cx="261383" cy="239173"/>
               </a:xfrm>
-              <a:prstGeom prst="roundRect">
+              <a:prstGeom prst="rect">
                 <a:avLst/>
               </a:prstGeom>
-              <a:ln w="19050"/>
+              <a:blipFill>
+                <a:blip r:embed="rId6"/>
+                <a:stretch>
+                  <a:fillRect l="-25581" r="-16279" b="-35897"/>
+                </a:stretch>
+              </a:blipFill>
             </p:spPr>
-            <p:style>
-              <a:lnRef idx="2">
-                <a:schemeClr val="dk1"/>
-              </a:lnRef>
-              <a:fillRef idx="1">
-                <a:schemeClr val="lt1"/>
-              </a:fillRef>
-              <a:effectRef idx="0">
-                <a:schemeClr val="dk1"/>
-              </a:effectRef>
-              <a:fontRef idx="minor">
-                <a:schemeClr val="dk1"/>
-              </a:fontRef>
-            </p:style>
             <p:txBody>
-              <a:bodyPr rtlCol="0" anchor="ctr"/>
+              <a:bodyPr/>
               <a:lstStyle/>
               <a:p>
-                <a:pPr algn="ctr"/>
                 <a:r>
-                  <a:rPr lang="en-US" b="1" dirty="0" smtClean="0">
-                    <a:latin typeface="+mj-lt"/>
+                  <a:rPr lang="en-US">
+                    <a:noFill/>
                   </a:rPr>
-                  <a:t>Binary Sequence</a:t>
+                  <a:t> </a:t>
                 </a:r>
+              </a:p>
+            </p:txBody>
+          </p:sp>
+        </mc:Fallback>
+      </mc:AlternateContent>
+      <mc:AlternateContent xmlns:mc="http://schemas.openxmlformats.org/markup-compatibility/2006" xmlns:a14="http://schemas.microsoft.com/office/drawing/2010/main">
+        <mc:Choice Requires="a14">
+          <p:sp>
+            <p:nvSpPr>
+              <p:cNvPr id="240" name="TextBox 239"/>
+              <p:cNvSpPr txBox="1"/>
+              <p:nvPr/>
+            </p:nvSpPr>
+            <p:spPr>
+              <a:xfrm>
+                <a:off x="3678461" y="3894472"/>
+                <a:ext cx="261383" cy="239173"/>
+              </a:xfrm>
+              <a:prstGeom prst="rect">
+                <a:avLst/>
+              </a:prstGeom>
+              <a:noFill/>
+            </p:spPr>
+            <p:txBody>
+              <a:bodyPr wrap="none" lIns="0" tIns="0" rIns="0" bIns="0" rtlCol="0">
+                <a:spAutoFit/>
+              </a:bodyPr>
+              <a:lstStyle/>
+              <a:p>
+                <a:pPr/>
+                <a14:m>
+                  <m:oMathPara xmlns:m="http://schemas.openxmlformats.org/officeDocument/2006/math">
+                    <m:oMathParaPr>
+                      <m:jc m:val="centerGroup"/>
+                    </m:oMathParaPr>
+                    <m:oMath xmlns:m="http://schemas.openxmlformats.org/officeDocument/2006/math">
+                      <m:sSub>
+                        <m:sSubPr>
+                          <m:ctrlPr>
+                            <a:rPr lang="en-US" b="1" i="1" smtClean="0">
+                              <a:latin typeface="Cambria Math" panose="02040503050406030204" pitchFamily="18" charset="0"/>
+                            </a:rPr>
+                          </m:ctrlPr>
+                        </m:sSubPr>
+                        <m:e>
+                          <m:r>
+                            <a:rPr lang="en-US" b="1" i="0" smtClean="0">
+                              <a:latin typeface="Cambria Math" panose="02040503050406030204" pitchFamily="18" charset="0"/>
+                            </a:rPr>
+                            <m:t>𝐒</m:t>
+                          </m:r>
+                        </m:e>
+                        <m:sub>
+                          <m:r>
+                            <a:rPr lang="en-US" b="1" i="0" smtClean="0">
+                              <a:latin typeface="Cambria Math" panose="02040503050406030204" pitchFamily="18" charset="0"/>
+                            </a:rPr>
+                            <m:t>𝟔</m:t>
+                          </m:r>
+                        </m:sub>
+                      </m:sSub>
+                    </m:oMath>
+                  </m:oMathPara>
+                </a14:m>
                 <a:endParaRPr lang="en-US" b="1" dirty="0">
                   <a:latin typeface="+mj-lt"/>
                 </a:endParaRPr>
               </a:p>
             </p:txBody>
           </p:sp>
-          <p:cxnSp>
-            <p:nvCxnSpPr>
-              <p:cNvPr id="159" name="Straight Arrow Connector 158"/>
-              <p:cNvCxnSpPr>
-                <a:stCxn id="178" idx="3"/>
-                <a:endCxn id="177" idx="1"/>
-              </p:cNvCxnSpPr>
-              <p:nvPr/>
-            </p:nvCxnSpPr>
-            <p:spPr>
-              <a:xfrm>
-                <a:off x="3255048" y="1353887"/>
-                <a:ext cx="602156" cy="0"/>
-              </a:xfrm>
-              <a:prstGeom prst="straightConnector1">
-                <a:avLst/>
-              </a:prstGeom>
-              <a:ln w="19050">
-                <a:tailEnd type="triangle"/>
-              </a:ln>
-            </p:spPr>
-            <p:style>
-              <a:lnRef idx="1">
-                <a:schemeClr val="dk1"/>
-              </a:lnRef>
-              <a:fillRef idx="0">
-                <a:schemeClr val="dk1"/>
-              </a:fillRef>
-              <a:effectRef idx="0">
-                <a:schemeClr val="dk1"/>
-              </a:effectRef>
-              <a:fontRef idx="minor">
-                <a:schemeClr val="tx1"/>
-              </a:fontRef>
-            </p:style>
-          </p:cxnSp>
-          <p:cxnSp>
-            <p:nvCxnSpPr>
-              <p:cNvPr id="184" name="Straight Arrow Connector 183"/>
-              <p:cNvCxnSpPr>
-                <a:stCxn id="177" idx="3"/>
-                <a:endCxn id="155" idx="1"/>
-              </p:cNvCxnSpPr>
-              <p:nvPr/>
-            </p:nvCxnSpPr>
-            <p:spPr>
-              <a:xfrm>
-                <a:off x="5665839" y="1353887"/>
-                <a:ext cx="602186" cy="1"/>
-              </a:xfrm>
-              <a:prstGeom prst="straightConnector1">
-                <a:avLst/>
-              </a:prstGeom>
-              <a:ln w="19050">
-                <a:tailEnd type="triangle"/>
-              </a:ln>
-            </p:spPr>
-            <p:style>
-              <a:lnRef idx="1">
-                <a:schemeClr val="dk1"/>
-              </a:lnRef>
-              <a:fillRef idx="0">
-                <a:schemeClr val="dk1"/>
-              </a:fillRef>
-              <a:effectRef idx="0">
-                <a:schemeClr val="dk1"/>
-              </a:effectRef>
-              <a:fontRef idx="minor">
-                <a:schemeClr val="tx1"/>
-              </a:fontRef>
-            </p:style>
-          </p:cxnSp>
-          <p:cxnSp>
-            <p:nvCxnSpPr>
-              <p:cNvPr id="185" name="Straight Arrow Connector 184"/>
-              <p:cNvCxnSpPr>
-                <a:stCxn id="155" idx="3"/>
-                <a:endCxn id="169" idx="1"/>
-              </p:cNvCxnSpPr>
-              <p:nvPr/>
-            </p:nvCxnSpPr>
-            <p:spPr>
-              <a:xfrm flipV="1">
-                <a:off x="8076659" y="1353887"/>
-                <a:ext cx="602124" cy="1"/>
-              </a:xfrm>
-              <a:prstGeom prst="straightConnector1">
-                <a:avLst/>
-              </a:prstGeom>
-              <a:ln w="19050">
-                <a:tailEnd type="triangle"/>
-              </a:ln>
-            </p:spPr>
-            <p:style>
-              <a:lnRef idx="1">
-                <a:schemeClr val="dk1"/>
-              </a:lnRef>
-              <a:fillRef idx="0">
-                <a:schemeClr val="dk1"/>
-              </a:fillRef>
-              <a:effectRef idx="0">
-                <a:schemeClr val="dk1"/>
-              </a:effectRef>
-              <a:fontRef idx="minor">
-                <a:schemeClr val="tx1"/>
-              </a:fontRef>
-            </p:style>
-          </p:cxnSp>
-          <p:cxnSp>
-            <p:nvCxnSpPr>
-              <p:cNvPr id="199" name="Straight Arrow Connector 198"/>
-              <p:cNvCxnSpPr>
-                <a:stCxn id="173" idx="0"/>
-                <a:endCxn id="172" idx="2"/>
-              </p:cNvCxnSpPr>
-              <p:nvPr/>
-            </p:nvCxnSpPr>
-            <p:spPr>
-              <a:xfrm flipV="1">
-                <a:off x="2350731" y="4441771"/>
-                <a:ext cx="4663" cy="1080164"/>
-              </a:xfrm>
-              <a:prstGeom prst="straightConnector1">
-                <a:avLst/>
-              </a:prstGeom>
-              <a:ln w="19050">
-                <a:tailEnd type="triangle"/>
-              </a:ln>
-            </p:spPr>
-            <p:style>
-              <a:lnRef idx="1">
-                <a:schemeClr val="dk1"/>
-              </a:lnRef>
-              <a:fillRef idx="0">
-                <a:schemeClr val="dk1"/>
-              </a:fillRef>
-              <a:effectRef idx="0">
-                <a:schemeClr val="dk1"/>
-              </a:effectRef>
-              <a:fontRef idx="minor">
-                <a:schemeClr val="tx1"/>
-              </a:fontRef>
-            </p:style>
-          </p:cxnSp>
-          <mc:AlternateContent xmlns:mc="http://schemas.openxmlformats.org/markup-compatibility/2006" xmlns:a14="http://schemas.microsoft.com/office/drawing/2010/main">
-            <mc:Choice Requires="a14">
-              <p:sp>
-                <p:nvSpPr>
-                  <p:cNvPr id="234" name="TextBox 233"/>
-                  <p:cNvSpPr txBox="1"/>
-                  <p:nvPr/>
-                </p:nvSpPr>
-                <p:spPr>
-                  <a:xfrm>
-                    <a:off x="3410929" y="960031"/>
-                    <a:ext cx="283667" cy="277000"/>
-                  </a:xfrm>
-                  <a:prstGeom prst="rect">
-                    <a:avLst/>
-                  </a:prstGeom>
-                  <a:noFill/>
-                </p:spPr>
-                <p:txBody>
-                  <a:bodyPr wrap="none" lIns="0" tIns="0" rIns="0" bIns="0" rtlCol="0">
-                    <a:spAutoFit/>
-                  </a:bodyPr>
-                  <a:lstStyle/>
-                  <a:p>
-                    <a:pPr/>
-                    <a14:m>
-                      <m:oMathPara xmlns:m="http://schemas.openxmlformats.org/officeDocument/2006/math">
-                        <m:oMathParaPr>
-                          <m:jc m:val="centerGroup"/>
-                        </m:oMathParaPr>
-                        <m:oMath xmlns:m="http://schemas.openxmlformats.org/officeDocument/2006/math">
-                          <m:sSub>
-                            <m:sSubPr>
-                              <m:ctrlPr>
-                                <a:rPr lang="en-US" b="1" i="1" smtClean="0">
-                                  <a:latin typeface="Cambria Math" panose="02040503050406030204" pitchFamily="18" charset="0"/>
-                                </a:rPr>
-                              </m:ctrlPr>
-                            </m:sSubPr>
-                            <m:e>
-                              <m:r>
-                                <a:rPr lang="en-US" b="1" i="0" smtClean="0">
-                                  <a:latin typeface="Cambria Math" panose="02040503050406030204" pitchFamily="18" charset="0"/>
-                                </a:rPr>
-                                <m:t>𝐒</m:t>
-                              </m:r>
-                            </m:e>
-                            <m:sub>
-                              <m:r>
-                                <a:rPr lang="en-US" b="1" i="0" smtClean="0">
-                                  <a:latin typeface="Cambria Math" panose="02040503050406030204" pitchFamily="18" charset="0"/>
-                                </a:rPr>
-                                <m:t>𝟏</m:t>
-                              </m:r>
-                            </m:sub>
-                          </m:sSub>
-                        </m:oMath>
-                      </m:oMathPara>
-                    </a14:m>
-                    <a:endParaRPr lang="en-US" b="1" dirty="0">
-                      <a:latin typeface="+mj-lt"/>
-                    </a:endParaRPr>
-                  </a:p>
-                </p:txBody>
-              </p:sp>
-            </mc:Choice>
-            <mc:Fallback xmlns="">
-              <p:sp>
-                <p:nvSpPr>
-                  <p:cNvPr id="234" name="TextBox 233"/>
-                  <p:cNvSpPr txBox="1">
-                    <a:spLocks noRot="1" noChangeAspect="1" noMove="1" noResize="1" noEditPoints="1" noAdjustHandles="1" noChangeArrowheads="1" noChangeShapeType="1" noTextEdit="1"/>
-                  </p:cNvSpPr>
-                  <p:nvPr/>
-                </p:nvSpPr>
-                <p:spPr>
-                  <a:xfrm>
-                    <a:off x="3410929" y="960031"/>
-                    <a:ext cx="283667" cy="277000"/>
-                  </a:xfrm>
-                  <a:prstGeom prst="rect">
-                    <a:avLst/>
-                  </a:prstGeom>
-                  <a:blipFill>
-                    <a:blip r:embed="rId2"/>
-                    <a:stretch>
-                      <a:fillRect l="-25581" r="-13953" b="-35897"/>
-                    </a:stretch>
-                  </a:blipFill>
-                </p:spPr>
-                <p:txBody>
-                  <a:bodyPr/>
-                  <a:lstStyle/>
-                  <a:p>
-                    <a:r>
-                      <a:rPr lang="en-US">
-                        <a:noFill/>
-                      </a:rPr>
-                      <a:t> </a:t>
-                    </a:r>
-                  </a:p>
-                </p:txBody>
-              </p:sp>
-            </mc:Fallback>
-          </mc:AlternateContent>
-          <mc:AlternateContent xmlns:mc="http://schemas.openxmlformats.org/markup-compatibility/2006" xmlns:a14="http://schemas.microsoft.com/office/drawing/2010/main">
-            <mc:Choice Requires="a14">
-              <p:sp>
-                <p:nvSpPr>
-                  <p:cNvPr id="235" name="TextBox 234"/>
-                  <p:cNvSpPr txBox="1"/>
-                  <p:nvPr/>
-                </p:nvSpPr>
-                <p:spPr>
-                  <a:xfrm>
-                    <a:off x="5833475" y="960031"/>
-                    <a:ext cx="283667" cy="277000"/>
-                  </a:xfrm>
-                  <a:prstGeom prst="rect">
-                    <a:avLst/>
-                  </a:prstGeom>
-                  <a:noFill/>
-                </p:spPr>
-                <p:txBody>
-                  <a:bodyPr wrap="none" lIns="0" tIns="0" rIns="0" bIns="0" rtlCol="0">
-                    <a:spAutoFit/>
-                  </a:bodyPr>
-                  <a:lstStyle/>
-                  <a:p>
-                    <a:pPr/>
-                    <a14:m>
-                      <m:oMathPara xmlns:m="http://schemas.openxmlformats.org/officeDocument/2006/math">
-                        <m:oMathParaPr>
-                          <m:jc m:val="centerGroup"/>
-                        </m:oMathParaPr>
-                        <m:oMath xmlns:m="http://schemas.openxmlformats.org/officeDocument/2006/math">
-                          <m:sSub>
-                            <m:sSubPr>
-                              <m:ctrlPr>
-                                <a:rPr lang="en-US" b="1" i="1" smtClean="0">
-                                  <a:latin typeface="Cambria Math" panose="02040503050406030204" pitchFamily="18" charset="0"/>
-                                </a:rPr>
-                              </m:ctrlPr>
-                            </m:sSubPr>
-                            <m:e>
-                              <m:r>
-                                <a:rPr lang="en-US" b="1" i="0" smtClean="0">
-                                  <a:latin typeface="Cambria Math" panose="02040503050406030204" pitchFamily="18" charset="0"/>
-                                </a:rPr>
-                                <m:t>𝐒</m:t>
-                              </m:r>
-                            </m:e>
-                            <m:sub>
-                              <m:r>
-                                <a:rPr lang="en-US" b="1" i="0" smtClean="0">
-                                  <a:latin typeface="Cambria Math" panose="02040503050406030204" pitchFamily="18" charset="0"/>
-                                </a:rPr>
-                                <m:t>𝟐</m:t>
-                              </m:r>
-                            </m:sub>
-                          </m:sSub>
-                        </m:oMath>
-                      </m:oMathPara>
-                    </a14:m>
-                    <a:endParaRPr lang="en-US" b="1" dirty="0">
-                      <a:latin typeface="+mj-lt"/>
-                    </a:endParaRPr>
-                  </a:p>
-                </p:txBody>
-              </p:sp>
-            </mc:Choice>
-            <mc:Fallback xmlns="">
-              <p:sp>
-                <p:nvSpPr>
-                  <p:cNvPr id="235" name="TextBox 234"/>
-                  <p:cNvSpPr txBox="1">
-                    <a:spLocks noRot="1" noChangeAspect="1" noMove="1" noResize="1" noEditPoints="1" noAdjustHandles="1" noChangeArrowheads="1" noChangeShapeType="1" noTextEdit="1"/>
-                  </p:cNvSpPr>
-                  <p:nvPr/>
-                </p:nvSpPr>
-                <p:spPr>
-                  <a:xfrm>
-                    <a:off x="5833475" y="960031"/>
-                    <a:ext cx="283667" cy="277000"/>
-                  </a:xfrm>
-                  <a:prstGeom prst="rect">
-                    <a:avLst/>
-                  </a:prstGeom>
-                  <a:blipFill>
-                    <a:blip r:embed="rId3"/>
-                    <a:stretch>
-                      <a:fillRect l="-25581" r="-13953" b="-35897"/>
-                    </a:stretch>
-                  </a:blipFill>
-                </p:spPr>
-                <p:txBody>
-                  <a:bodyPr/>
-                  <a:lstStyle/>
-                  <a:p>
-                    <a:r>
-                      <a:rPr lang="en-US">
-                        <a:noFill/>
-                      </a:rPr>
-                      <a:t> </a:t>
-                    </a:r>
-                  </a:p>
-                </p:txBody>
-              </p:sp>
-            </mc:Fallback>
-          </mc:AlternateContent>
-          <mc:AlternateContent xmlns:mc="http://schemas.openxmlformats.org/markup-compatibility/2006" xmlns:a14="http://schemas.microsoft.com/office/drawing/2010/main">
-            <mc:Choice Requires="a14">
-              <p:sp>
-                <p:nvSpPr>
-                  <p:cNvPr id="236" name="TextBox 235"/>
-                  <p:cNvSpPr txBox="1"/>
-                  <p:nvPr/>
-                </p:nvSpPr>
-                <p:spPr>
-                  <a:xfrm>
-                    <a:off x="8273400" y="938126"/>
-                    <a:ext cx="238144" cy="320808"/>
-                  </a:xfrm>
-                  <a:prstGeom prst="rect">
-                    <a:avLst/>
-                  </a:prstGeom>
-                  <a:noFill/>
-                </p:spPr>
-                <p:txBody>
-                  <a:bodyPr wrap="square" lIns="0" tIns="0" rIns="0" bIns="0" rtlCol="0">
-                    <a:spAutoFit/>
-                  </a:bodyPr>
-                  <a:lstStyle/>
-                  <a:p>
-                    <a:pPr/>
-                    <a14:m>
-                      <m:oMathPara xmlns:m="http://schemas.openxmlformats.org/officeDocument/2006/math">
-                        <m:oMathParaPr>
-                          <m:jc m:val="centerGroup"/>
-                        </m:oMathParaPr>
-                        <m:oMath xmlns:m="http://schemas.openxmlformats.org/officeDocument/2006/math">
-                          <m:sSub>
-                            <m:sSubPr>
-                              <m:ctrlPr>
-                                <a:rPr lang="en-US" b="1" i="1" smtClean="0">
-                                  <a:latin typeface="Cambria Math" panose="02040503050406030204" pitchFamily="18" charset="0"/>
-                                </a:rPr>
-                              </m:ctrlPr>
-                            </m:sSubPr>
-                            <m:e>
-                              <m:r>
-                                <a:rPr lang="en-US" b="1" i="0" smtClean="0">
-                                  <a:latin typeface="Cambria Math" panose="02040503050406030204" pitchFamily="18" charset="0"/>
-                                </a:rPr>
-                                <m:t>𝐒</m:t>
-                              </m:r>
-                            </m:e>
-                            <m:sub>
-                              <m:r>
-                                <a:rPr lang="en-US" b="1" i="0" smtClean="0">
-                                  <a:latin typeface="Cambria Math" panose="02040503050406030204" pitchFamily="18" charset="0"/>
-                                </a:rPr>
-                                <m:t>𝟑</m:t>
-                              </m:r>
-                            </m:sub>
-                          </m:sSub>
-                        </m:oMath>
-                      </m:oMathPara>
-                    </a14:m>
-                    <a:endParaRPr lang="en-US" b="1" dirty="0">
-                      <a:latin typeface="+mj-lt"/>
-                    </a:endParaRPr>
-                  </a:p>
-                </p:txBody>
-              </p:sp>
-            </mc:Choice>
-            <mc:Fallback xmlns="">
-              <p:sp>
-                <p:nvSpPr>
-                  <p:cNvPr id="236" name="TextBox 235"/>
-                  <p:cNvSpPr txBox="1">
-                    <a:spLocks noRot="1" noChangeAspect="1" noMove="1" noResize="1" noEditPoints="1" noAdjustHandles="1" noChangeArrowheads="1" noChangeShapeType="1" noTextEdit="1"/>
-                  </p:cNvSpPr>
-                  <p:nvPr/>
-                </p:nvSpPr>
-                <p:spPr>
-                  <a:xfrm>
-                    <a:off x="8273400" y="938126"/>
-                    <a:ext cx="238144" cy="320808"/>
-                  </a:xfrm>
-                  <a:prstGeom prst="rect">
-                    <a:avLst/>
-                  </a:prstGeom>
-                  <a:blipFill>
-                    <a:blip r:embed="rId4"/>
-                    <a:stretch>
-                      <a:fillRect l="-36111" r="-30556" b="-15217"/>
-                    </a:stretch>
-                  </a:blipFill>
-                </p:spPr>
-                <p:txBody>
-                  <a:bodyPr/>
-                  <a:lstStyle/>
-                  <a:p>
-                    <a:r>
-                      <a:rPr lang="en-US">
-                        <a:noFill/>
-                      </a:rPr>
-                      <a:t> </a:t>
-                    </a:r>
-                  </a:p>
-                </p:txBody>
-              </p:sp>
-            </mc:Fallback>
-          </mc:AlternateContent>
-          <mc:AlternateContent xmlns:mc="http://schemas.openxmlformats.org/markup-compatibility/2006" xmlns:a14="http://schemas.microsoft.com/office/drawing/2010/main">
-            <mc:Choice Requires="a14">
-              <p:sp>
-                <p:nvSpPr>
-                  <p:cNvPr id="237" name="TextBox 236"/>
-                  <p:cNvSpPr txBox="1"/>
-                  <p:nvPr/>
-                </p:nvSpPr>
-                <p:spPr>
-                  <a:xfrm>
-                    <a:off x="10633027" y="960029"/>
-                    <a:ext cx="283667" cy="277000"/>
-                  </a:xfrm>
-                  <a:prstGeom prst="rect">
-                    <a:avLst/>
-                  </a:prstGeom>
-                  <a:noFill/>
-                </p:spPr>
-                <p:txBody>
-                  <a:bodyPr wrap="none" lIns="0" tIns="0" rIns="0" bIns="0" rtlCol="0">
-                    <a:spAutoFit/>
-                  </a:bodyPr>
-                  <a:lstStyle/>
-                  <a:p>
-                    <a:pPr/>
-                    <a14:m>
-                      <m:oMathPara xmlns:m="http://schemas.openxmlformats.org/officeDocument/2006/math">
-                        <m:oMathParaPr>
-                          <m:jc m:val="centerGroup"/>
-                        </m:oMathParaPr>
-                        <m:oMath xmlns:m="http://schemas.openxmlformats.org/officeDocument/2006/math">
-                          <m:sSub>
-                            <m:sSubPr>
-                              <m:ctrlPr>
-                                <a:rPr lang="en-US" b="1" i="1" smtClean="0">
-                                  <a:latin typeface="Cambria Math" panose="02040503050406030204" pitchFamily="18" charset="0"/>
-                                </a:rPr>
-                              </m:ctrlPr>
-                            </m:sSubPr>
-                            <m:e>
-                              <m:r>
-                                <a:rPr lang="en-US" b="1" i="0" smtClean="0">
-                                  <a:latin typeface="Cambria Math" panose="02040503050406030204" pitchFamily="18" charset="0"/>
-                                </a:rPr>
-                                <m:t>𝐒</m:t>
-                              </m:r>
-                            </m:e>
-                            <m:sub>
-                              <m:r>
-                                <a:rPr lang="en-US" b="1" i="0" smtClean="0">
-                                  <a:latin typeface="Cambria Math" panose="02040503050406030204" pitchFamily="18" charset="0"/>
-                                </a:rPr>
-                                <m:t>𝟒</m:t>
-                              </m:r>
-                            </m:sub>
-                          </m:sSub>
-                        </m:oMath>
-                      </m:oMathPara>
-                    </a14:m>
-                    <a:endParaRPr lang="en-US" b="1" dirty="0">
-                      <a:latin typeface="+mj-lt"/>
-                    </a:endParaRPr>
-                  </a:p>
-                </p:txBody>
-              </p:sp>
-            </mc:Choice>
-            <mc:Fallback xmlns="">
-              <p:sp>
-                <p:nvSpPr>
-                  <p:cNvPr id="237" name="TextBox 236"/>
-                  <p:cNvSpPr txBox="1">
-                    <a:spLocks noRot="1" noChangeAspect="1" noMove="1" noResize="1" noEditPoints="1" noAdjustHandles="1" noChangeArrowheads="1" noChangeShapeType="1" noTextEdit="1"/>
-                  </p:cNvSpPr>
-                  <p:nvPr/>
-                </p:nvSpPr>
-                <p:spPr>
-                  <a:xfrm>
-                    <a:off x="10633027" y="960029"/>
-                    <a:ext cx="283667" cy="277000"/>
-                  </a:xfrm>
-                  <a:prstGeom prst="rect">
-                    <a:avLst/>
-                  </a:prstGeom>
-                  <a:blipFill>
-                    <a:blip r:embed="rId5"/>
-                    <a:stretch>
-                      <a:fillRect l="-27907" r="-13953" b="-35897"/>
-                    </a:stretch>
-                  </a:blipFill>
-                </p:spPr>
-                <p:txBody>
-                  <a:bodyPr/>
-                  <a:lstStyle/>
-                  <a:p>
-                    <a:r>
-                      <a:rPr lang="en-US">
-                        <a:noFill/>
-                      </a:rPr>
-                      <a:t> </a:t>
-                    </a:r>
-                  </a:p>
-                </p:txBody>
-              </p:sp>
-            </mc:Fallback>
-          </mc:AlternateContent>
-          <mc:AlternateContent xmlns:mc="http://schemas.openxmlformats.org/markup-compatibility/2006" xmlns:a14="http://schemas.microsoft.com/office/drawing/2010/main">
-            <mc:Choice Requires="a14">
-              <p:sp>
-                <p:nvSpPr>
-                  <p:cNvPr id="238" name="TextBox 237"/>
-                  <p:cNvSpPr txBox="1"/>
-                  <p:nvPr/>
-                </p:nvSpPr>
-                <p:spPr>
-                  <a:xfrm>
-                    <a:off x="2379721" y="4552802"/>
-                    <a:ext cx="283667" cy="277000"/>
-                  </a:xfrm>
-                  <a:prstGeom prst="rect">
-                    <a:avLst/>
-                  </a:prstGeom>
-                  <a:noFill/>
-                </p:spPr>
-                <p:txBody>
-                  <a:bodyPr wrap="none" lIns="0" tIns="0" rIns="0" bIns="0" rtlCol="0">
-                    <a:spAutoFit/>
-                  </a:bodyPr>
-                  <a:lstStyle/>
-                  <a:p>
-                    <a:pPr/>
-                    <a14:m>
-                      <m:oMathPara xmlns:m="http://schemas.openxmlformats.org/officeDocument/2006/math">
-                        <m:oMathParaPr>
-                          <m:jc m:val="centerGroup"/>
-                        </m:oMathParaPr>
-                        <m:oMath xmlns:m="http://schemas.openxmlformats.org/officeDocument/2006/math">
-                          <m:sSub>
-                            <m:sSubPr>
-                              <m:ctrlPr>
-                                <a:rPr lang="en-US" b="1" i="1" smtClean="0">
-                                  <a:latin typeface="Cambria Math" panose="02040503050406030204" pitchFamily="18" charset="0"/>
-                                </a:rPr>
-                              </m:ctrlPr>
-                            </m:sSubPr>
-                            <m:e>
-                              <m:r>
-                                <a:rPr lang="en-US" b="1" i="0" smtClean="0">
-                                  <a:latin typeface="Cambria Math" panose="02040503050406030204" pitchFamily="18" charset="0"/>
-                                </a:rPr>
-                                <m:t>𝐒</m:t>
-                              </m:r>
-                            </m:e>
-                            <m:sub>
-                              <m:r>
-                                <a:rPr lang="en-US" b="1" i="0" smtClean="0">
-                                  <a:latin typeface="Cambria Math" panose="02040503050406030204" pitchFamily="18" charset="0"/>
-                                </a:rPr>
-                                <m:t>𝟓</m:t>
-                              </m:r>
-                            </m:sub>
-                          </m:sSub>
-                        </m:oMath>
-                      </m:oMathPara>
-                    </a14:m>
-                    <a:endParaRPr lang="en-US" b="1" dirty="0">
-                      <a:latin typeface="+mj-lt"/>
-                    </a:endParaRPr>
-                  </a:p>
-                </p:txBody>
-              </p:sp>
-            </mc:Choice>
-            <mc:Fallback xmlns="">
-              <p:sp>
-                <p:nvSpPr>
-                  <p:cNvPr id="238" name="TextBox 237"/>
-                  <p:cNvSpPr txBox="1">
-                    <a:spLocks noRot="1" noChangeAspect="1" noMove="1" noResize="1" noEditPoints="1" noAdjustHandles="1" noChangeArrowheads="1" noChangeShapeType="1" noTextEdit="1"/>
-                  </p:cNvSpPr>
-                  <p:nvPr/>
-                </p:nvSpPr>
-                <p:spPr>
-                  <a:xfrm>
-                    <a:off x="2379721" y="4552802"/>
-                    <a:ext cx="283667" cy="277000"/>
-                  </a:xfrm>
-                  <a:prstGeom prst="rect">
-                    <a:avLst/>
-                  </a:prstGeom>
-                  <a:blipFill>
-                    <a:blip r:embed="rId6"/>
-                    <a:stretch>
-                      <a:fillRect l="-25581" r="-16279" b="-35000"/>
-                    </a:stretch>
-                  </a:blipFill>
-                </p:spPr>
-                <p:txBody>
-                  <a:bodyPr/>
-                  <a:lstStyle/>
-                  <a:p>
-                    <a:r>
-                      <a:rPr lang="en-US">
-                        <a:noFill/>
-                      </a:rPr>
-                      <a:t> </a:t>
-                    </a:r>
-                  </a:p>
-                </p:txBody>
-              </p:sp>
-            </mc:Fallback>
-          </mc:AlternateContent>
-          <mc:AlternateContent xmlns:mc="http://schemas.openxmlformats.org/markup-compatibility/2006" xmlns:a14="http://schemas.microsoft.com/office/drawing/2010/main">
-            <mc:Choice Requires="a14">
-              <p:sp>
-                <p:nvSpPr>
-                  <p:cNvPr id="240" name="TextBox 239"/>
-                  <p:cNvSpPr txBox="1"/>
-                  <p:nvPr/>
-                </p:nvSpPr>
-                <p:spPr>
-                  <a:xfrm>
-                    <a:off x="3425562" y="3473606"/>
-                    <a:ext cx="283667" cy="277000"/>
-                  </a:xfrm>
-                  <a:prstGeom prst="rect">
-                    <a:avLst/>
-                  </a:prstGeom>
-                  <a:noFill/>
-                </p:spPr>
-                <p:txBody>
-                  <a:bodyPr wrap="none" lIns="0" tIns="0" rIns="0" bIns="0" rtlCol="0">
-                    <a:spAutoFit/>
-                  </a:bodyPr>
-                  <a:lstStyle/>
-                  <a:p>
-                    <a:pPr/>
-                    <a14:m>
-                      <m:oMathPara xmlns:m="http://schemas.openxmlformats.org/officeDocument/2006/math">
-                        <m:oMathParaPr>
-                          <m:jc m:val="centerGroup"/>
-                        </m:oMathParaPr>
-                        <m:oMath xmlns:m="http://schemas.openxmlformats.org/officeDocument/2006/math">
-                          <m:sSub>
-                            <m:sSubPr>
-                              <m:ctrlPr>
-                                <a:rPr lang="en-US" b="1" i="1" smtClean="0">
-                                  <a:latin typeface="Cambria Math" panose="02040503050406030204" pitchFamily="18" charset="0"/>
-                                </a:rPr>
-                              </m:ctrlPr>
-                            </m:sSubPr>
-                            <m:e>
-                              <m:r>
-                                <a:rPr lang="en-US" b="1" i="0" smtClean="0">
-                                  <a:latin typeface="Cambria Math" panose="02040503050406030204" pitchFamily="18" charset="0"/>
-                                </a:rPr>
-                                <m:t>𝐒</m:t>
-                              </m:r>
-                            </m:e>
-                            <m:sub>
-                              <m:r>
-                                <a:rPr lang="en-US" b="1" i="0" smtClean="0">
-                                  <a:latin typeface="Cambria Math" panose="02040503050406030204" pitchFamily="18" charset="0"/>
-                                </a:rPr>
-                                <m:t>𝟔</m:t>
-                              </m:r>
-                            </m:sub>
-                          </m:sSub>
-                        </m:oMath>
-                      </m:oMathPara>
-                    </a14:m>
-                    <a:endParaRPr lang="en-US" b="1" dirty="0">
-                      <a:latin typeface="+mj-lt"/>
-                    </a:endParaRPr>
-                  </a:p>
-                </p:txBody>
-              </p:sp>
-            </mc:Choice>
-            <mc:Fallback xmlns="">
-              <p:sp>
-                <p:nvSpPr>
-                  <p:cNvPr id="240" name="TextBox 239"/>
-                  <p:cNvSpPr txBox="1">
-                    <a:spLocks noRot="1" noChangeAspect="1" noMove="1" noResize="1" noEditPoints="1" noAdjustHandles="1" noChangeArrowheads="1" noChangeShapeType="1" noTextEdit="1"/>
-                  </p:cNvSpPr>
-                  <p:nvPr/>
-                </p:nvSpPr>
-                <p:spPr>
-                  <a:xfrm>
-                    <a:off x="3425562" y="3473606"/>
-                    <a:ext cx="283667" cy="277000"/>
-                  </a:xfrm>
-                  <a:prstGeom prst="rect">
-                    <a:avLst/>
-                  </a:prstGeom>
-                  <a:blipFill>
-                    <a:blip r:embed="rId7"/>
-                    <a:stretch>
-                      <a:fillRect l="-25581" r="-13953" b="-35897"/>
-                    </a:stretch>
-                  </a:blipFill>
-                </p:spPr>
-                <p:txBody>
-                  <a:bodyPr/>
-                  <a:lstStyle/>
-                  <a:p>
-                    <a:r>
-                      <a:rPr lang="en-US">
-                        <a:noFill/>
-                      </a:rPr>
-                      <a:t> </a:t>
-                    </a:r>
-                  </a:p>
-                </p:txBody>
-              </p:sp>
-            </mc:Fallback>
-          </mc:AlternateContent>
+        </mc:Choice>
+        <mc:Fallback xmlns="">
           <p:sp>
             <p:nvSpPr>
-              <p:cNvPr id="174" name="Rounded Rectangle 173"/>
-              <p:cNvSpPr/>
+              <p:cNvPr id="240" name="TextBox 239"/>
+              <p:cNvSpPr txBox="1">
+                <a:spLocks noRot="1" noChangeAspect="1" noMove="1" noResize="1" noEditPoints="1" noAdjustHandles="1" noChangeArrowheads="1" noChangeShapeType="1" noTextEdit="1"/>
+              </p:cNvSpPr>
               <p:nvPr/>
             </p:nvSpPr>
             <p:spPr>
               <a:xfrm>
-                <a:off x="3856572" y="3279548"/>
-                <a:ext cx="1808634" cy="1162205"/>
+                <a:off x="3678461" y="3894472"/>
+                <a:ext cx="261383" cy="239173"/>
               </a:xfrm>
-              <a:prstGeom prst="roundRect">
+              <a:prstGeom prst="rect">
                 <a:avLst/>
               </a:prstGeom>
-              <a:ln w="19050"/>
+              <a:blipFill>
+                <a:blip r:embed="rId7"/>
+                <a:stretch>
+                  <a:fillRect l="-25581" r="-13953" b="-35897"/>
+                </a:stretch>
+              </a:blipFill>
             </p:spPr>
-            <p:style>
-              <a:lnRef idx="2">
-                <a:schemeClr val="dk1"/>
-              </a:lnRef>
-              <a:fillRef idx="1">
-                <a:schemeClr val="lt1"/>
-              </a:fillRef>
-              <a:effectRef idx="0">
-                <a:schemeClr val="dk1"/>
-              </a:effectRef>
-              <a:fontRef idx="minor">
-                <a:schemeClr val="dk1"/>
-              </a:fontRef>
-            </p:style>
             <p:txBody>
-              <a:bodyPr rtlCol="0" anchor="ctr"/>
+              <a:bodyPr/>
               <a:lstStyle/>
               <a:p>
-                <a:pPr algn="ctr"/>
                 <a:r>
-                  <a:rPr lang="en-US" b="1" dirty="0" smtClean="0">
-                    <a:latin typeface="+mj-lt"/>
+                  <a:rPr lang="en-US">
+                    <a:noFill/>
                   </a:rPr>
-                  <a:t>Fork</a:t>
+                  <a:t> </a:t>
                 </a:r>
+              </a:p>
+            </p:txBody>
+          </p:sp>
+        </mc:Fallback>
+      </mc:AlternateContent>
+      <p:sp>
+        <p:nvSpPr>
+          <p:cNvPr id="174" name="Rounded Rectangle 173"/>
+          <p:cNvSpPr/>
+          <p:nvPr/>
+        </p:nvSpPr>
+        <p:spPr>
+          <a:xfrm>
+            <a:off x="4075613" y="3726914"/>
+            <a:ext cx="1666553" cy="1003497"/>
+          </a:xfrm>
+          <a:prstGeom prst="roundRect">
+            <a:avLst/>
+          </a:prstGeom>
+          <a:ln w="19050"/>
+        </p:spPr>
+        <p:style>
+          <a:lnRef idx="2">
+            <a:schemeClr val="dk1"/>
+          </a:lnRef>
+          <a:fillRef idx="1">
+            <a:schemeClr val="lt1"/>
+          </a:fillRef>
+          <a:effectRef idx="0">
+            <a:schemeClr val="dk1"/>
+          </a:effectRef>
+          <a:fontRef idx="minor">
+            <a:schemeClr val="dk1"/>
+          </a:fontRef>
+        </p:style>
+        <p:txBody>
+          <a:bodyPr rtlCol="0" anchor="ctr"/>
+          <a:lstStyle/>
+          <a:p>
+            <a:pPr algn="ctr"/>
+            <a:r>
+              <a:rPr lang="en-US" b="1" dirty="0" smtClean="0">
+                <a:latin typeface="+mj-lt"/>
+              </a:rPr>
+              <a:t>Fork</a:t>
+            </a:r>
+            <a:endParaRPr lang="en-US" b="1" dirty="0">
+              <a:latin typeface="+mj-lt"/>
+            </a:endParaRPr>
+          </a:p>
+        </p:txBody>
+      </p:sp>
+      <p:sp>
+        <p:nvSpPr>
+          <p:cNvPr id="230" name="Rounded Rectangle 229"/>
+          <p:cNvSpPr/>
+          <p:nvPr/>
+        </p:nvSpPr>
+        <p:spPr>
+          <a:xfrm>
+            <a:off x="8514912" y="5664333"/>
+            <a:ext cx="1661387" cy="1003495"/>
+          </a:xfrm>
+          <a:prstGeom prst="roundRect">
+            <a:avLst/>
+          </a:prstGeom>
+          <a:ln w="19050"/>
+        </p:spPr>
+        <p:style>
+          <a:lnRef idx="2">
+            <a:schemeClr val="dk1"/>
+          </a:lnRef>
+          <a:fillRef idx="1">
+            <a:schemeClr val="lt1"/>
+          </a:fillRef>
+          <a:effectRef idx="0">
+            <a:schemeClr val="dk1"/>
+          </a:effectRef>
+          <a:fontRef idx="minor">
+            <a:schemeClr val="dk1"/>
+          </a:fontRef>
+        </p:style>
+        <p:txBody>
+          <a:bodyPr rtlCol="0" anchor="ctr"/>
+          <a:lstStyle/>
+          <a:p>
+            <a:pPr algn="ctr"/>
+            <a:r>
+              <a:rPr lang="en-US" b="1" dirty="0" smtClean="0">
+                <a:latin typeface="+mj-lt"/>
+              </a:rPr>
+              <a:t>Sink</a:t>
+            </a:r>
+            <a:endParaRPr lang="en-US" b="1" dirty="0">
+              <a:latin typeface="+mj-lt"/>
+            </a:endParaRPr>
+          </a:p>
+        </p:txBody>
+      </p:sp>
+      <mc:AlternateContent xmlns:mc="http://schemas.openxmlformats.org/markup-compatibility/2006" xmlns:a14="http://schemas.microsoft.com/office/drawing/2010/main">
+        <mc:Choice Requires="a14">
+          <p:sp>
+            <p:nvSpPr>
+              <p:cNvPr id="241" name="TextBox 240"/>
+              <p:cNvSpPr txBox="1"/>
+              <p:nvPr/>
+            </p:nvSpPr>
+            <p:spPr>
+              <a:xfrm>
+                <a:off x="5897216" y="3655333"/>
+                <a:ext cx="261383" cy="239173"/>
+              </a:xfrm>
+              <a:prstGeom prst="rect">
+                <a:avLst/>
+              </a:prstGeom>
+              <a:noFill/>
+            </p:spPr>
+            <p:txBody>
+              <a:bodyPr wrap="none" lIns="0" tIns="0" rIns="0" bIns="0" rtlCol="0">
+                <a:spAutoFit/>
+              </a:bodyPr>
+              <a:lstStyle/>
+              <a:p>
+                <a:pPr/>
+                <a14:m>
+                  <m:oMathPara xmlns:m="http://schemas.openxmlformats.org/officeDocument/2006/math">
+                    <m:oMathParaPr>
+                      <m:jc m:val="centerGroup"/>
+                    </m:oMathParaPr>
+                    <m:oMath xmlns:m="http://schemas.openxmlformats.org/officeDocument/2006/math">
+                      <m:sSub>
+                        <m:sSubPr>
+                          <m:ctrlPr>
+                            <a:rPr lang="en-US" b="1" i="1" smtClean="0">
+                              <a:latin typeface="Cambria Math" panose="02040503050406030204" pitchFamily="18" charset="0"/>
+                            </a:rPr>
+                          </m:ctrlPr>
+                        </m:sSubPr>
+                        <m:e>
+                          <m:r>
+                            <a:rPr lang="en-US" b="1" i="0" smtClean="0">
+                              <a:latin typeface="Cambria Math" panose="02040503050406030204" pitchFamily="18" charset="0"/>
+                            </a:rPr>
+                            <m:t>𝐒</m:t>
+                          </m:r>
+                        </m:e>
+                        <m:sub>
+                          <m:r>
+                            <a:rPr lang="en-US" b="1" i="0" smtClean="0">
+                              <a:latin typeface="Cambria Math" panose="02040503050406030204" pitchFamily="18" charset="0"/>
+                            </a:rPr>
+                            <m:t>𝟕</m:t>
+                          </m:r>
+                        </m:sub>
+                      </m:sSub>
+                    </m:oMath>
+                  </m:oMathPara>
+                </a14:m>
                 <a:endParaRPr lang="en-US" b="1" dirty="0">
                   <a:latin typeface="+mj-lt"/>
                 </a:endParaRPr>
               </a:p>
             </p:txBody>
           </p:sp>
+        </mc:Choice>
+        <mc:Fallback xmlns="">
           <p:sp>
             <p:nvSpPr>
-              <p:cNvPr id="230" name="Rounded Rectangle 229"/>
-              <p:cNvSpPr/>
+              <p:cNvPr id="241" name="TextBox 240"/>
+              <p:cNvSpPr txBox="1">
+                <a:spLocks noRot="1" noChangeAspect="1" noMove="1" noResize="1" noEditPoints="1" noAdjustHandles="1" noChangeArrowheads="1" noChangeShapeType="1" noTextEdit="1"/>
+              </p:cNvSpPr>
               <p:nvPr/>
             </p:nvSpPr>
             <p:spPr>
               <a:xfrm>
-                <a:off x="8674340" y="5523380"/>
-                <a:ext cx="1803027" cy="1162203"/>
+                <a:off x="5897216" y="3655333"/>
+                <a:ext cx="261383" cy="239173"/>
               </a:xfrm>
-              <a:prstGeom prst="roundRect">
+              <a:prstGeom prst="rect">
                 <a:avLst/>
               </a:prstGeom>
-              <a:ln w="19050"/>
+              <a:blipFill>
+                <a:blip r:embed="rId8"/>
+                <a:stretch>
+                  <a:fillRect l="-25581" r="-13953" b="-35897"/>
+                </a:stretch>
+              </a:blipFill>
             </p:spPr>
-            <p:style>
-              <a:lnRef idx="2">
-                <a:schemeClr val="dk1"/>
-              </a:lnRef>
-              <a:fillRef idx="1">
-                <a:schemeClr val="lt1"/>
-              </a:fillRef>
-              <a:effectRef idx="0">
-                <a:schemeClr val="dk1"/>
-              </a:effectRef>
-              <a:fontRef idx="minor">
-                <a:schemeClr val="dk1"/>
-              </a:fontRef>
-            </p:style>
             <p:txBody>
-              <a:bodyPr rtlCol="0" anchor="ctr"/>
+              <a:bodyPr/>
               <a:lstStyle/>
               <a:p>
-                <a:pPr algn="ctr"/>
                 <a:r>
-                  <a:rPr lang="en-US" b="1" dirty="0" smtClean="0">
-                    <a:latin typeface="+mj-lt"/>
+                  <a:rPr lang="en-US">
+                    <a:noFill/>
                   </a:rPr>
-                  <a:t>Sink</a:t>
+                  <a:t> </a:t>
                 </a:r>
+              </a:p>
+            </p:txBody>
+          </p:sp>
+        </mc:Fallback>
+      </mc:AlternateContent>
+      <mc:AlternateContent xmlns:mc="http://schemas.openxmlformats.org/markup-compatibility/2006" xmlns:a14="http://schemas.microsoft.com/office/drawing/2010/main">
+        <mc:Choice Requires="a14">
+          <p:sp>
+            <p:nvSpPr>
+              <p:cNvPr id="242" name="TextBox 241"/>
+              <p:cNvSpPr txBox="1"/>
+              <p:nvPr/>
+            </p:nvSpPr>
+            <p:spPr>
+              <a:xfrm>
+                <a:off x="5909628" y="4172949"/>
+                <a:ext cx="261383" cy="239173"/>
+              </a:xfrm>
+              <a:prstGeom prst="rect">
+                <a:avLst/>
+              </a:prstGeom>
+              <a:noFill/>
+            </p:spPr>
+            <p:txBody>
+              <a:bodyPr wrap="none" lIns="0" tIns="0" rIns="0" bIns="0" rtlCol="0">
+                <a:spAutoFit/>
+              </a:bodyPr>
+              <a:lstStyle/>
+              <a:p>
+                <a:pPr/>
+                <a14:m>
+                  <m:oMathPara xmlns:m="http://schemas.openxmlformats.org/officeDocument/2006/math">
+                    <m:oMathParaPr>
+                      <m:jc m:val="centerGroup"/>
+                    </m:oMathParaPr>
+                    <m:oMath xmlns:m="http://schemas.openxmlformats.org/officeDocument/2006/math">
+                      <m:sSub>
+                        <m:sSubPr>
+                          <m:ctrlPr>
+                            <a:rPr lang="en-US" b="1" i="1" smtClean="0">
+                              <a:latin typeface="Cambria Math" panose="02040503050406030204" pitchFamily="18" charset="0"/>
+                            </a:rPr>
+                          </m:ctrlPr>
+                        </m:sSubPr>
+                        <m:e>
+                          <m:r>
+                            <a:rPr lang="en-US" b="1" i="0" smtClean="0">
+                              <a:latin typeface="Cambria Math" panose="02040503050406030204" pitchFamily="18" charset="0"/>
+                            </a:rPr>
+                            <m:t>𝐒</m:t>
+                          </m:r>
+                        </m:e>
+                        <m:sub>
+                          <m:r>
+                            <a:rPr lang="en-US" b="1" i="0" smtClean="0">
+                              <a:latin typeface="Cambria Math" panose="02040503050406030204" pitchFamily="18" charset="0"/>
+                            </a:rPr>
+                            <m:t>𝟖</m:t>
+                          </m:r>
+                        </m:sub>
+                      </m:sSub>
+                    </m:oMath>
+                  </m:oMathPara>
+                </a14:m>
                 <a:endParaRPr lang="en-US" b="1" dirty="0">
                   <a:latin typeface="+mj-lt"/>
                 </a:endParaRPr>
               </a:p>
             </p:txBody>
           </p:sp>
-          <mc:AlternateContent xmlns:mc="http://schemas.openxmlformats.org/markup-compatibility/2006" xmlns:a14="http://schemas.microsoft.com/office/drawing/2010/main">
-            <mc:Choice Requires="a14">
-              <p:sp>
-                <p:nvSpPr>
-                  <p:cNvPr id="241" name="TextBox 240"/>
-                  <p:cNvSpPr txBox="1"/>
-                  <p:nvPr/>
-                </p:nvSpPr>
-                <p:spPr>
-                  <a:xfrm>
-                    <a:off x="5833474" y="3196646"/>
-                    <a:ext cx="283667" cy="277000"/>
-                  </a:xfrm>
-                  <a:prstGeom prst="rect">
-                    <a:avLst/>
-                  </a:prstGeom>
-                  <a:noFill/>
-                </p:spPr>
-                <p:txBody>
-                  <a:bodyPr wrap="none" lIns="0" tIns="0" rIns="0" bIns="0" rtlCol="0">
-                    <a:spAutoFit/>
-                  </a:bodyPr>
-                  <a:lstStyle/>
-                  <a:p>
-                    <a:pPr/>
-                    <a14:m>
-                      <m:oMathPara xmlns:m="http://schemas.openxmlformats.org/officeDocument/2006/math">
-                        <m:oMathParaPr>
-                          <m:jc m:val="centerGroup"/>
-                        </m:oMathParaPr>
-                        <m:oMath xmlns:m="http://schemas.openxmlformats.org/officeDocument/2006/math">
-                          <m:sSub>
-                            <m:sSubPr>
-                              <m:ctrlPr>
-                                <a:rPr lang="en-US" b="1" i="1" smtClean="0">
-                                  <a:latin typeface="Cambria Math" panose="02040503050406030204" pitchFamily="18" charset="0"/>
-                                </a:rPr>
-                              </m:ctrlPr>
-                            </m:sSubPr>
-                            <m:e>
-                              <m:r>
-                                <a:rPr lang="en-US" b="1" i="0" smtClean="0">
-                                  <a:latin typeface="Cambria Math" panose="02040503050406030204" pitchFamily="18" charset="0"/>
-                                </a:rPr>
-                                <m:t>𝐒</m:t>
-                              </m:r>
-                            </m:e>
-                            <m:sub>
-                              <m:r>
-                                <a:rPr lang="en-US" b="1" i="0" smtClean="0">
-                                  <a:latin typeface="Cambria Math" panose="02040503050406030204" pitchFamily="18" charset="0"/>
-                                </a:rPr>
-                                <m:t>𝟕</m:t>
-                              </m:r>
-                            </m:sub>
-                          </m:sSub>
-                        </m:oMath>
-                      </m:oMathPara>
-                    </a14:m>
-                    <a:endParaRPr lang="en-US" b="1" dirty="0">
-                      <a:latin typeface="+mj-lt"/>
-                    </a:endParaRPr>
-                  </a:p>
-                </p:txBody>
-              </p:sp>
-            </mc:Choice>
-            <mc:Fallback xmlns="">
-              <p:sp>
-                <p:nvSpPr>
-                  <p:cNvPr id="241" name="TextBox 240"/>
-                  <p:cNvSpPr txBox="1">
-                    <a:spLocks noRot="1" noChangeAspect="1" noMove="1" noResize="1" noEditPoints="1" noAdjustHandles="1" noChangeArrowheads="1" noChangeShapeType="1" noTextEdit="1"/>
-                  </p:cNvSpPr>
-                  <p:nvPr/>
-                </p:nvSpPr>
-                <p:spPr>
-                  <a:xfrm>
-                    <a:off x="5833474" y="3196646"/>
-                    <a:ext cx="283667" cy="277000"/>
-                  </a:xfrm>
-                  <a:prstGeom prst="rect">
-                    <a:avLst/>
-                  </a:prstGeom>
-                  <a:blipFill>
-                    <a:blip r:embed="rId8"/>
-                    <a:stretch>
-                      <a:fillRect l="-25581" r="-13953" b="-32500"/>
-                    </a:stretch>
-                  </a:blipFill>
-                </p:spPr>
-                <p:txBody>
-                  <a:bodyPr/>
-                  <a:lstStyle/>
-                  <a:p>
-                    <a:r>
-                      <a:rPr lang="en-US">
-                        <a:noFill/>
-                      </a:rPr>
-                      <a:t> </a:t>
-                    </a:r>
-                  </a:p>
-                </p:txBody>
-              </p:sp>
-            </mc:Fallback>
-          </mc:AlternateContent>
-          <mc:AlternateContent xmlns:mc="http://schemas.openxmlformats.org/markup-compatibility/2006">
-            <mc:Choice xmlns:a14="http://schemas.microsoft.com/office/drawing/2010/main" Requires="a14">
-              <p:sp>
-                <p:nvSpPr>
-                  <p:cNvPr id="242" name="TextBox 241"/>
-                  <p:cNvSpPr txBox="1"/>
-                  <p:nvPr/>
-                </p:nvSpPr>
-                <p:spPr>
-                  <a:xfrm>
-                    <a:off x="5846945" y="3796125"/>
-                    <a:ext cx="283667" cy="277000"/>
-                  </a:xfrm>
-                  <a:prstGeom prst="rect">
-                    <a:avLst/>
-                  </a:prstGeom>
-                  <a:noFill/>
-                </p:spPr>
-                <p:txBody>
-                  <a:bodyPr wrap="none" lIns="0" tIns="0" rIns="0" bIns="0" rtlCol="0">
-                    <a:spAutoFit/>
-                  </a:bodyPr>
-                  <a:lstStyle/>
-                  <a:p>
-                    <a:pPr/>
-                    <a14:m>
-                      <m:oMathPara xmlns:m="http://schemas.openxmlformats.org/officeDocument/2006/math">
-                        <m:oMathParaPr>
-                          <m:jc m:val="centerGroup"/>
-                        </m:oMathParaPr>
-                        <m:oMath xmlns:m="http://schemas.openxmlformats.org/officeDocument/2006/math">
-                          <m:sSub>
-                            <m:sSubPr>
-                              <m:ctrlPr>
-                                <a:rPr lang="en-US" b="1" i="1" smtClean="0">
-                                  <a:latin typeface="Cambria Math" panose="02040503050406030204" pitchFamily="18" charset="0"/>
-                                </a:rPr>
-                              </m:ctrlPr>
-                            </m:sSubPr>
-                            <m:e>
-                              <m:r>
-                                <a:rPr lang="en-US" b="1" i="0" smtClean="0">
-                                  <a:latin typeface="Cambria Math" panose="02040503050406030204" pitchFamily="18" charset="0"/>
-                                </a:rPr>
-                                <m:t>𝐒</m:t>
-                              </m:r>
-                            </m:e>
-                            <m:sub>
-                              <m:r>
-                                <a:rPr lang="en-US" b="1" i="0" smtClean="0">
-                                  <a:latin typeface="Cambria Math" panose="02040503050406030204" pitchFamily="18" charset="0"/>
-                                </a:rPr>
-                                <m:t>𝟖</m:t>
-                              </m:r>
-                            </m:sub>
-                          </m:sSub>
-                        </m:oMath>
-                      </m:oMathPara>
-                    </a14:m>
-                    <a:endParaRPr lang="en-US" b="1" dirty="0">
-                      <a:latin typeface="+mj-lt"/>
-                    </a:endParaRPr>
-                  </a:p>
-                </p:txBody>
-              </p:sp>
-            </mc:Choice>
-            <mc:Fallback>
-              <p:sp>
-                <p:nvSpPr>
-                  <p:cNvPr id="242" name="TextBox 241"/>
-                  <p:cNvSpPr txBox="1">
-                    <a:spLocks noRot="1" noChangeAspect="1" noMove="1" noResize="1" noEditPoints="1" noAdjustHandles="1" noChangeArrowheads="1" noChangeShapeType="1" noTextEdit="1"/>
-                  </p:cNvSpPr>
-                  <p:nvPr/>
-                </p:nvSpPr>
-                <p:spPr>
-                  <a:xfrm>
-                    <a:off x="5846945" y="3796125"/>
-                    <a:ext cx="283667" cy="277000"/>
-                  </a:xfrm>
-                  <a:prstGeom prst="rect">
-                    <a:avLst/>
-                  </a:prstGeom>
-                  <a:blipFill>
-                    <a:blip r:embed="rId9"/>
-                    <a:stretch>
-                      <a:fillRect l="-25581" r="-13953" b="-35897"/>
-                    </a:stretch>
-                  </a:blipFill>
-                </p:spPr>
-                <p:txBody>
-                  <a:bodyPr/>
-                  <a:lstStyle/>
-                  <a:p>
-                    <a:r>
-                      <a:rPr lang="en-US">
-                        <a:noFill/>
-                      </a:rPr>
-                      <a:t> </a:t>
-                    </a:r>
-                  </a:p>
-                </p:txBody>
-              </p:sp>
-            </mc:Fallback>
-          </mc:AlternateContent>
-          <mc:AlternateContent xmlns:mc="http://schemas.openxmlformats.org/markup-compatibility/2006" xmlns:a14="http://schemas.microsoft.com/office/drawing/2010/main">
-            <mc:Choice Requires="a14">
-              <p:sp>
-                <p:nvSpPr>
-                  <p:cNvPr id="244" name="TextBox 243"/>
-                  <p:cNvSpPr txBox="1"/>
-                  <p:nvPr/>
-                </p:nvSpPr>
-                <p:spPr>
-                  <a:xfrm>
-                    <a:off x="9583100" y="4144495"/>
-                    <a:ext cx="384656" cy="276999"/>
-                  </a:xfrm>
-                  <a:prstGeom prst="rect">
-                    <a:avLst/>
-                  </a:prstGeom>
-                  <a:noFill/>
-                </p:spPr>
-                <p:txBody>
-                  <a:bodyPr wrap="none" lIns="0" tIns="0" rIns="0" bIns="0" rtlCol="0">
-                    <a:spAutoFit/>
-                  </a:bodyPr>
-                  <a:lstStyle/>
-                  <a:p>
-                    <a:pPr/>
-                    <a14:m>
-                      <m:oMathPara xmlns:m="http://schemas.openxmlformats.org/officeDocument/2006/math">
-                        <m:oMathParaPr>
-                          <m:jc m:val="centerGroup"/>
-                        </m:oMathParaPr>
-                        <m:oMath xmlns:m="http://schemas.openxmlformats.org/officeDocument/2006/math">
-                          <m:sSub>
-                            <m:sSubPr>
-                              <m:ctrlPr>
-                                <a:rPr lang="en-US" b="1" i="1" smtClean="0">
-                                  <a:latin typeface="Cambria Math" panose="02040503050406030204" pitchFamily="18" charset="0"/>
-                                </a:rPr>
-                              </m:ctrlPr>
-                            </m:sSubPr>
-                            <m:e>
-                              <m:r>
-                                <a:rPr lang="en-US" b="1" i="0" smtClean="0">
-                                  <a:latin typeface="Cambria Math" panose="02040503050406030204" pitchFamily="18" charset="0"/>
-                                </a:rPr>
-                                <m:t>𝐒</m:t>
-                              </m:r>
-                            </m:e>
-                            <m:sub>
-                              <m:r>
-                                <a:rPr lang="en-US" b="1" i="0" smtClean="0">
-                                  <a:latin typeface="Cambria Math" panose="02040503050406030204" pitchFamily="18" charset="0"/>
-                                </a:rPr>
-                                <m:t>𝟏𝟎</m:t>
-                              </m:r>
-                            </m:sub>
-                          </m:sSub>
-                        </m:oMath>
-                      </m:oMathPara>
-                    </a14:m>
-                    <a:endParaRPr lang="en-US" b="1" dirty="0">
-                      <a:latin typeface="+mj-lt"/>
-                    </a:endParaRPr>
-                  </a:p>
-                </p:txBody>
-              </p:sp>
-            </mc:Choice>
-            <mc:Fallback xmlns="">
-              <p:sp>
-                <p:nvSpPr>
-                  <p:cNvPr id="244" name="TextBox 243"/>
-                  <p:cNvSpPr txBox="1">
-                    <a:spLocks noRot="1" noChangeAspect="1" noMove="1" noResize="1" noEditPoints="1" noAdjustHandles="1" noChangeArrowheads="1" noChangeShapeType="1" noTextEdit="1"/>
-                  </p:cNvSpPr>
-                  <p:nvPr/>
-                </p:nvSpPr>
-                <p:spPr>
-                  <a:xfrm>
-                    <a:off x="9583100" y="4144495"/>
-                    <a:ext cx="384656" cy="276999"/>
-                  </a:xfrm>
-                  <a:prstGeom prst="rect">
-                    <a:avLst/>
-                  </a:prstGeom>
-                  <a:blipFill>
-                    <a:blip r:embed="rId10"/>
-                    <a:stretch>
-                      <a:fillRect l="-20690" r="-13793" b="-35897"/>
-                    </a:stretch>
-                  </a:blipFill>
-                </p:spPr>
-                <p:txBody>
-                  <a:bodyPr/>
-                  <a:lstStyle/>
-                  <a:p>
-                    <a:r>
-                      <a:rPr lang="en-US">
-                        <a:noFill/>
-                      </a:rPr>
-                      <a:t> </a:t>
-                    </a:r>
-                  </a:p>
-                </p:txBody>
-              </p:sp>
-            </mc:Fallback>
-          </mc:AlternateContent>
-          <p:cxnSp>
-            <p:nvCxnSpPr>
-              <p:cNvPr id="9" name="Straight Arrow Connector 8"/>
-              <p:cNvCxnSpPr/>
-              <p:nvPr/>
-            </p:nvCxnSpPr>
-            <p:spPr>
-              <a:xfrm>
-                <a:off x="5676227" y="3562165"/>
-                <a:ext cx="3002556" cy="0"/>
-              </a:xfrm>
-              <a:prstGeom prst="straightConnector1">
-                <a:avLst/>
-              </a:prstGeom>
-              <a:ln w="19050">
-                <a:tailEnd type="triangle"/>
-              </a:ln>
-            </p:spPr>
-            <p:style>
-              <a:lnRef idx="1">
-                <a:schemeClr val="dk1"/>
-              </a:lnRef>
-              <a:fillRef idx="0">
-                <a:schemeClr val="dk1"/>
-              </a:fillRef>
-              <a:effectRef idx="0">
-                <a:schemeClr val="dk1"/>
-              </a:effectRef>
-              <a:fontRef idx="minor">
-                <a:schemeClr val="tx1"/>
-              </a:fontRef>
-            </p:style>
-          </p:cxnSp>
-          <p:cxnSp>
-            <p:nvCxnSpPr>
-              <p:cNvPr id="19" name="Elbow Connector 18"/>
-              <p:cNvCxnSpPr>
-                <a:stCxn id="169" idx="3"/>
-                <a:endCxn id="172" idx="1"/>
-              </p:cNvCxnSpPr>
-              <p:nvPr/>
-            </p:nvCxnSpPr>
-            <p:spPr>
-              <a:xfrm flipH="1">
-                <a:off x="1451077" y="1353887"/>
-                <a:ext cx="9036340" cy="2506782"/>
-              </a:xfrm>
-              <a:prstGeom prst="bentConnector5">
-                <a:avLst>
-                  <a:gd name="adj1" fmla="val -4111"/>
-                  <a:gd name="adj2" fmla="val 38601"/>
-                  <a:gd name="adj3" fmla="val 102530"/>
-                </a:avLst>
-              </a:prstGeom>
-              <a:ln w="19050">
-                <a:tailEnd type="triangle"/>
-              </a:ln>
-            </p:spPr>
-            <p:style>
-              <a:lnRef idx="1">
-                <a:schemeClr val="dk1"/>
-              </a:lnRef>
-              <a:fillRef idx="0">
-                <a:schemeClr val="dk1"/>
-              </a:fillRef>
-              <a:effectRef idx="0">
-                <a:schemeClr val="dk1"/>
-              </a:effectRef>
-              <a:fontRef idx="minor">
-                <a:schemeClr val="tx1"/>
-              </a:fontRef>
-            </p:style>
-          </p:cxnSp>
-          <p:cxnSp>
-            <p:nvCxnSpPr>
-              <p:cNvPr id="50" name="Straight Arrow Connector 49"/>
-              <p:cNvCxnSpPr>
-                <a:stCxn id="96" idx="2"/>
-                <a:endCxn id="230" idx="0"/>
-              </p:cNvCxnSpPr>
-              <p:nvPr/>
-            </p:nvCxnSpPr>
-            <p:spPr>
-              <a:xfrm flipH="1">
-                <a:off x="9575854" y="4862998"/>
-                <a:ext cx="1" cy="660382"/>
-              </a:xfrm>
-              <a:prstGeom prst="straightConnector1">
-                <a:avLst/>
-              </a:prstGeom>
-              <a:ln w="19050">
-                <a:tailEnd type="triangle"/>
-              </a:ln>
-            </p:spPr>
-            <p:style>
-              <a:lnRef idx="1">
-                <a:schemeClr val="dk1"/>
-              </a:lnRef>
-              <a:fillRef idx="0">
-                <a:schemeClr val="dk1"/>
-              </a:fillRef>
-              <a:effectRef idx="0">
-                <a:schemeClr val="dk1"/>
-              </a:effectRef>
-              <a:fontRef idx="minor">
-                <a:schemeClr val="tx1"/>
-              </a:fontRef>
-            </p:style>
-          </p:cxnSp>
-          <p:cxnSp>
-            <p:nvCxnSpPr>
-              <p:cNvPr id="57" name="Straight Arrow Connector 56"/>
-              <p:cNvCxnSpPr>
-                <a:stCxn id="172" idx="3"/>
-                <a:endCxn id="174" idx="1"/>
-              </p:cNvCxnSpPr>
-              <p:nvPr/>
-            </p:nvCxnSpPr>
-            <p:spPr>
-              <a:xfrm flipV="1">
-                <a:off x="3259711" y="3860651"/>
-                <a:ext cx="596861" cy="18"/>
-              </a:xfrm>
-              <a:prstGeom prst="straightConnector1">
-                <a:avLst/>
-              </a:prstGeom>
-              <a:ln w="19050">
-                <a:tailEnd type="triangle"/>
-              </a:ln>
-            </p:spPr>
-            <p:style>
-              <a:lnRef idx="1">
-                <a:schemeClr val="dk1"/>
-              </a:lnRef>
-              <a:fillRef idx="0">
-                <a:schemeClr val="dk1"/>
-              </a:fillRef>
-              <a:effectRef idx="0">
-                <a:schemeClr val="dk1"/>
-              </a:effectRef>
-              <a:fontRef idx="minor">
-                <a:schemeClr val="tx1"/>
-              </a:fontRef>
-            </p:style>
-          </p:cxnSp>
+        </mc:Choice>
+        <mc:Fallback xmlns="">
           <p:sp>
             <p:nvSpPr>
-              <p:cNvPr id="96" name="Rounded Rectangle 95"/>
-              <p:cNvSpPr/>
+              <p:cNvPr id="242" name="TextBox 241"/>
+              <p:cNvSpPr txBox="1">
+                <a:spLocks noRot="1" noChangeAspect="1" noMove="1" noResize="1" noEditPoints="1" noAdjustHandles="1" noChangeArrowheads="1" noChangeShapeType="1" noTextEdit="1"/>
+              </p:cNvSpPr>
               <p:nvPr/>
             </p:nvSpPr>
             <p:spPr>
               <a:xfrm>
-                <a:off x="8674341" y="2858302"/>
-                <a:ext cx="1803027" cy="2004696"/>
+                <a:off x="5909628" y="4172949"/>
+                <a:ext cx="261383" cy="239173"/>
               </a:xfrm>
-              <a:prstGeom prst="roundRect">
+              <a:prstGeom prst="rect">
                 <a:avLst/>
               </a:prstGeom>
-              <a:ln w="19050"/>
+              <a:blipFill>
+                <a:blip r:embed="rId9"/>
+                <a:stretch>
+                  <a:fillRect l="-25581" r="-13953" b="-35897"/>
+                </a:stretch>
+              </a:blipFill>
             </p:spPr>
-            <p:style>
-              <a:lnRef idx="2">
-                <a:schemeClr val="dk1"/>
-              </a:lnRef>
-              <a:fillRef idx="1">
-                <a:schemeClr val="lt1"/>
-              </a:fillRef>
-              <a:effectRef idx="0">
-                <a:schemeClr val="dk1"/>
-              </a:effectRef>
-              <a:fontRef idx="minor">
-                <a:schemeClr val="dk1"/>
-              </a:fontRef>
-            </p:style>
             <p:txBody>
-              <a:bodyPr rtlCol="0" anchor="ctr"/>
+              <a:bodyPr/>
               <a:lstStyle/>
               <a:p>
-                <a:pPr algn="ctr"/>
                 <a:r>
-                  <a:rPr lang="en-US" b="1" dirty="0" smtClean="0">
-                    <a:latin typeface="+mj-lt"/>
+                  <a:rPr lang="en-US">
+                    <a:noFill/>
                   </a:rPr>
-                  <a:t>IQ Modulator</a:t>
+                  <a:t> </a:t>
                 </a:r>
+              </a:p>
+            </p:txBody>
+          </p:sp>
+        </mc:Fallback>
+      </mc:AlternateContent>
+      <mc:AlternateContent xmlns:mc="http://schemas.openxmlformats.org/markup-compatibility/2006" xmlns:a14="http://schemas.microsoft.com/office/drawing/2010/main">
+        <mc:Choice Requires="a14">
+          <p:sp>
+            <p:nvSpPr>
+              <p:cNvPr id="244" name="TextBox 243"/>
+              <p:cNvSpPr txBox="1"/>
+              <p:nvPr/>
+            </p:nvSpPr>
+            <p:spPr>
+              <a:xfrm>
+                <a:off x="9352283" y="4473746"/>
+                <a:ext cx="354439" cy="239173"/>
+              </a:xfrm>
+              <a:prstGeom prst="rect">
+                <a:avLst/>
+              </a:prstGeom>
+              <a:noFill/>
+            </p:spPr>
+            <p:txBody>
+              <a:bodyPr wrap="none" lIns="0" tIns="0" rIns="0" bIns="0" rtlCol="0">
+                <a:spAutoFit/>
+              </a:bodyPr>
+              <a:lstStyle/>
+              <a:p>
+                <a:pPr/>
+                <a14:m>
+                  <m:oMathPara xmlns:m="http://schemas.openxmlformats.org/officeDocument/2006/math">
+                    <m:oMathParaPr>
+                      <m:jc m:val="centerGroup"/>
+                    </m:oMathParaPr>
+                    <m:oMath xmlns:m="http://schemas.openxmlformats.org/officeDocument/2006/math">
+                      <m:sSub>
+                        <m:sSubPr>
+                          <m:ctrlPr>
+                            <a:rPr lang="en-US" b="1" i="1" smtClean="0">
+                              <a:latin typeface="Cambria Math" panose="02040503050406030204" pitchFamily="18" charset="0"/>
+                            </a:rPr>
+                          </m:ctrlPr>
+                        </m:sSubPr>
+                        <m:e>
+                          <m:r>
+                            <a:rPr lang="en-US" b="1" i="0" smtClean="0">
+                              <a:latin typeface="Cambria Math" panose="02040503050406030204" pitchFamily="18" charset="0"/>
+                            </a:rPr>
+                            <m:t>𝐒</m:t>
+                          </m:r>
+                        </m:e>
+                        <m:sub>
+                          <m:r>
+                            <a:rPr lang="en-US" b="1" i="0" smtClean="0">
+                              <a:latin typeface="Cambria Math" panose="02040503050406030204" pitchFamily="18" charset="0"/>
+                            </a:rPr>
+                            <m:t>𝟏𝟎</m:t>
+                          </m:r>
+                        </m:sub>
+                      </m:sSub>
+                    </m:oMath>
+                  </m:oMathPara>
+                </a14:m>
                 <a:endParaRPr lang="en-US" b="1" dirty="0">
                   <a:latin typeface="+mj-lt"/>
                 </a:endParaRPr>
               </a:p>
             </p:txBody>
           </p:sp>
-          <p:cxnSp>
-            <p:nvCxnSpPr>
-              <p:cNvPr id="36" name="Straight Arrow Connector 35"/>
-              <p:cNvCxnSpPr>
-                <a:endCxn id="41" idx="1"/>
-              </p:cNvCxnSpPr>
-              <p:nvPr/>
-            </p:nvCxnSpPr>
-            <p:spPr>
-              <a:xfrm>
-                <a:off x="5676227" y="4157663"/>
-                <a:ext cx="592619" cy="0"/>
-              </a:xfrm>
-              <a:prstGeom prst="straightConnector1">
-                <a:avLst/>
-              </a:prstGeom>
-              <a:ln w="19050">
-                <a:tailEnd type="triangle"/>
-              </a:ln>
-            </p:spPr>
-            <p:style>
-              <a:lnRef idx="1">
-                <a:schemeClr val="dk1"/>
-              </a:lnRef>
-              <a:fillRef idx="0">
-                <a:schemeClr val="dk1"/>
-              </a:fillRef>
-              <a:effectRef idx="0">
-                <a:schemeClr val="dk1"/>
-              </a:effectRef>
-              <a:fontRef idx="minor">
-                <a:schemeClr val="tx1"/>
-              </a:fontRef>
-            </p:style>
-          </p:cxnSp>
+        </mc:Choice>
+        <mc:Fallback xmlns="">
           <p:sp>
             <p:nvSpPr>
-              <p:cNvPr id="41" name="Rounded Rectangle 40"/>
-              <p:cNvSpPr/>
+              <p:cNvPr id="244" name="TextBox 243"/>
+              <p:cNvSpPr txBox="1">
+                <a:spLocks noRot="1" noChangeAspect="1" noMove="1" noResize="1" noEditPoints="1" noAdjustHandles="1" noChangeArrowheads="1" noChangeShapeType="1" noTextEdit="1"/>
+              </p:cNvSpPr>
               <p:nvPr/>
             </p:nvSpPr>
             <p:spPr>
               <a:xfrm>
-                <a:off x="6268846" y="3860651"/>
-                <a:ext cx="1808633" cy="594024"/>
+                <a:off x="9352283" y="4473746"/>
+                <a:ext cx="354439" cy="239173"/>
               </a:xfrm>
-              <a:prstGeom prst="roundRect">
+              <a:prstGeom prst="rect">
                 <a:avLst/>
               </a:prstGeom>
-              <a:ln w="19050"/>
+              <a:blipFill>
+                <a:blip r:embed="rId10"/>
+                <a:stretch>
+                  <a:fillRect l="-18966" r="-13793" b="-35897"/>
+                </a:stretch>
+              </a:blipFill>
             </p:spPr>
-            <p:style>
-              <a:lnRef idx="2">
-                <a:schemeClr val="dk1"/>
-              </a:lnRef>
-              <a:fillRef idx="1">
-                <a:schemeClr val="lt1"/>
-              </a:fillRef>
-              <a:effectRef idx="0">
-                <a:schemeClr val="dk1"/>
-              </a:effectRef>
-              <a:fontRef idx="minor">
-                <a:schemeClr val="dk1"/>
-              </a:fontRef>
-            </p:style>
             <p:txBody>
-              <a:bodyPr rtlCol="0" anchor="ctr"/>
+              <a:bodyPr/>
               <a:lstStyle/>
               <a:p>
-                <a:pPr algn="ctr"/>
                 <a:r>
-                  <a:rPr lang="en-US" b="1" dirty="0" smtClean="0">
-                    <a:latin typeface="+mj-lt"/>
+                  <a:rPr lang="en-US">
+                    <a:noFill/>
                   </a:rPr>
-                  <a:t>Hilbert Transformer</a:t>
+                  <a:t> </a:t>
                 </a:r>
+              </a:p>
+            </p:txBody>
+          </p:sp>
+        </mc:Fallback>
+      </mc:AlternateContent>
+      <p:cxnSp>
+        <p:nvCxnSpPr>
+          <p:cNvPr id="9" name="Straight Arrow Connector 8"/>
+          <p:cNvCxnSpPr/>
+          <p:nvPr/>
+        </p:nvCxnSpPr>
+        <p:spPr>
+          <a:xfrm>
+            <a:off x="5752321" y="3970938"/>
+            <a:ext cx="2766685" cy="0"/>
+          </a:xfrm>
+          <a:prstGeom prst="straightConnector1">
+            <a:avLst/>
+          </a:prstGeom>
+          <a:ln w="19050">
+            <a:tailEnd type="triangle"/>
+          </a:ln>
+        </p:spPr>
+        <p:style>
+          <a:lnRef idx="1">
+            <a:schemeClr val="dk1"/>
+          </a:lnRef>
+          <a:fillRef idx="0">
+            <a:schemeClr val="dk1"/>
+          </a:fillRef>
+          <a:effectRef idx="0">
+            <a:schemeClr val="dk1"/>
+          </a:effectRef>
+          <a:fontRef idx="minor">
+            <a:schemeClr val="tx1"/>
+          </a:fontRef>
+        </p:style>
+      </p:cxnSp>
+      <p:cxnSp>
+        <p:nvCxnSpPr>
+          <p:cNvPr id="19" name="Elbow Connector 18"/>
+          <p:cNvCxnSpPr>
+            <a:stCxn id="169" idx="3"/>
+            <a:endCxn id="172" idx="1"/>
+          </p:cNvCxnSpPr>
+          <p:nvPr/>
+        </p:nvCxnSpPr>
+        <p:spPr>
+          <a:xfrm flipH="1">
+            <a:off x="1859086" y="2064218"/>
+            <a:ext cx="8326474" cy="2164461"/>
+          </a:xfrm>
+          <a:prstGeom prst="bentConnector5">
+            <a:avLst>
+              <a:gd name="adj1" fmla="val -4111"/>
+              <a:gd name="adj2" fmla="val 38601"/>
+              <a:gd name="adj3" fmla="val 102530"/>
+            </a:avLst>
+          </a:prstGeom>
+          <a:ln w="19050">
+            <a:tailEnd type="triangle"/>
+          </a:ln>
+        </p:spPr>
+        <p:style>
+          <a:lnRef idx="1">
+            <a:schemeClr val="dk1"/>
+          </a:lnRef>
+          <a:fillRef idx="0">
+            <a:schemeClr val="dk1"/>
+          </a:fillRef>
+          <a:effectRef idx="0">
+            <a:schemeClr val="dk1"/>
+          </a:effectRef>
+          <a:fontRef idx="minor">
+            <a:schemeClr val="tx1"/>
+          </a:fontRef>
+        </p:style>
+      </p:cxnSp>
+      <p:cxnSp>
+        <p:nvCxnSpPr>
+          <p:cNvPr id="50" name="Straight Arrow Connector 49"/>
+          <p:cNvCxnSpPr>
+            <a:stCxn id="96" idx="2"/>
+            <a:endCxn id="230" idx="0"/>
+          </p:cNvCxnSpPr>
+          <p:nvPr/>
+        </p:nvCxnSpPr>
+        <p:spPr>
+          <a:xfrm flipH="1">
+            <a:off x="9345606" y="5094132"/>
+            <a:ext cx="1" cy="570202"/>
+          </a:xfrm>
+          <a:prstGeom prst="straightConnector1">
+            <a:avLst/>
+          </a:prstGeom>
+          <a:ln w="19050">
+            <a:tailEnd type="triangle"/>
+          </a:ln>
+        </p:spPr>
+        <p:style>
+          <a:lnRef idx="1">
+            <a:schemeClr val="dk1"/>
+          </a:lnRef>
+          <a:fillRef idx="0">
+            <a:schemeClr val="dk1"/>
+          </a:fillRef>
+          <a:effectRef idx="0">
+            <a:schemeClr val="dk1"/>
+          </a:effectRef>
+          <a:fontRef idx="minor">
+            <a:schemeClr val="tx1"/>
+          </a:fontRef>
+        </p:style>
+      </p:cxnSp>
+      <p:cxnSp>
+        <p:nvCxnSpPr>
+          <p:cNvPr id="57" name="Straight Arrow Connector 56"/>
+          <p:cNvCxnSpPr>
+            <a:stCxn id="172" idx="3"/>
+            <a:endCxn id="174" idx="1"/>
+          </p:cNvCxnSpPr>
+          <p:nvPr/>
+        </p:nvCxnSpPr>
+        <p:spPr>
+          <a:xfrm flipV="1">
+            <a:off x="3525639" y="4228663"/>
+            <a:ext cx="549974" cy="16"/>
+          </a:xfrm>
+          <a:prstGeom prst="straightConnector1">
+            <a:avLst/>
+          </a:prstGeom>
+          <a:ln w="19050">
+            <a:tailEnd type="triangle"/>
+          </a:ln>
+        </p:spPr>
+        <p:style>
+          <a:lnRef idx="1">
+            <a:schemeClr val="dk1"/>
+          </a:lnRef>
+          <a:fillRef idx="0">
+            <a:schemeClr val="dk1"/>
+          </a:fillRef>
+          <a:effectRef idx="0">
+            <a:schemeClr val="dk1"/>
+          </a:effectRef>
+          <a:fontRef idx="minor">
+            <a:schemeClr val="tx1"/>
+          </a:fontRef>
+        </p:style>
+      </p:cxnSp>
+      <p:sp>
+        <p:nvSpPr>
+          <p:cNvPr id="96" name="Rounded Rectangle 95"/>
+          <p:cNvSpPr/>
+          <p:nvPr/>
+        </p:nvSpPr>
+        <p:spPr>
+          <a:xfrm>
+            <a:off x="8514913" y="3363193"/>
+            <a:ext cx="1661387" cy="1730939"/>
+          </a:xfrm>
+          <a:prstGeom prst="roundRect">
+            <a:avLst/>
+          </a:prstGeom>
+          <a:ln w="19050"/>
+        </p:spPr>
+        <p:style>
+          <a:lnRef idx="2">
+            <a:schemeClr val="dk1"/>
+          </a:lnRef>
+          <a:fillRef idx="1">
+            <a:schemeClr val="lt1"/>
+          </a:fillRef>
+          <a:effectRef idx="0">
+            <a:schemeClr val="dk1"/>
+          </a:effectRef>
+          <a:fontRef idx="minor">
+            <a:schemeClr val="dk1"/>
+          </a:fontRef>
+        </p:style>
+        <p:txBody>
+          <a:bodyPr rtlCol="0" anchor="ctr"/>
+          <a:lstStyle/>
+          <a:p>
+            <a:pPr algn="ctr"/>
+            <a:r>
+              <a:rPr lang="en-US" b="1" dirty="0" smtClean="0">
+                <a:latin typeface="+mj-lt"/>
+              </a:rPr>
+              <a:t>IQ Modulator</a:t>
+            </a:r>
+            <a:endParaRPr lang="en-US" b="1" dirty="0">
+              <a:latin typeface="+mj-lt"/>
+            </a:endParaRPr>
+          </a:p>
+        </p:txBody>
+      </p:sp>
+      <p:cxnSp>
+        <p:nvCxnSpPr>
+          <p:cNvPr id="36" name="Straight Arrow Connector 35"/>
+          <p:cNvCxnSpPr>
+            <a:endCxn id="41" idx="1"/>
+          </p:cNvCxnSpPr>
+          <p:nvPr/>
+        </p:nvCxnSpPr>
+        <p:spPr>
+          <a:xfrm>
+            <a:off x="5752321" y="4485116"/>
+            <a:ext cx="546065" cy="0"/>
+          </a:xfrm>
+          <a:prstGeom prst="straightConnector1">
+            <a:avLst/>
+          </a:prstGeom>
+          <a:ln w="19050">
+            <a:tailEnd type="triangle"/>
+          </a:ln>
+        </p:spPr>
+        <p:style>
+          <a:lnRef idx="1">
+            <a:schemeClr val="dk1"/>
+          </a:lnRef>
+          <a:fillRef idx="0">
+            <a:schemeClr val="dk1"/>
+          </a:fillRef>
+          <a:effectRef idx="0">
+            <a:schemeClr val="dk1"/>
+          </a:effectRef>
+          <a:fontRef idx="minor">
+            <a:schemeClr val="tx1"/>
+          </a:fontRef>
+        </p:style>
+      </p:cxnSp>
+      <p:sp>
+        <p:nvSpPr>
+          <p:cNvPr id="41" name="Rounded Rectangle 40"/>
+          <p:cNvSpPr/>
+          <p:nvPr/>
+        </p:nvSpPr>
+        <p:spPr>
+          <a:xfrm>
+            <a:off x="6298386" y="4228663"/>
+            <a:ext cx="1666553" cy="512905"/>
+          </a:xfrm>
+          <a:prstGeom prst="roundRect">
+            <a:avLst/>
+          </a:prstGeom>
+          <a:ln w="19050"/>
+        </p:spPr>
+        <p:style>
+          <a:lnRef idx="2">
+            <a:schemeClr val="dk1"/>
+          </a:lnRef>
+          <a:fillRef idx="1">
+            <a:schemeClr val="lt1"/>
+          </a:fillRef>
+          <a:effectRef idx="0">
+            <a:schemeClr val="dk1"/>
+          </a:effectRef>
+          <a:fontRef idx="minor">
+            <a:schemeClr val="dk1"/>
+          </a:fontRef>
+        </p:style>
+        <p:txBody>
+          <a:bodyPr rtlCol="0" anchor="ctr"/>
+          <a:lstStyle/>
+          <a:p>
+            <a:pPr algn="ctr"/>
+            <a:r>
+              <a:rPr lang="en-US" b="1" dirty="0" smtClean="0">
+                <a:latin typeface="+mj-lt"/>
+              </a:rPr>
+              <a:t>Hilbert Transformer</a:t>
+            </a:r>
+            <a:endParaRPr lang="en-US" b="1" dirty="0">
+              <a:latin typeface="+mj-lt"/>
+            </a:endParaRPr>
+          </a:p>
+        </p:txBody>
+      </p:sp>
+      <p:cxnSp>
+        <p:nvCxnSpPr>
+          <p:cNvPr id="45" name="Straight Arrow Connector 44"/>
+          <p:cNvCxnSpPr>
+            <a:stCxn id="41" idx="3"/>
+          </p:cNvCxnSpPr>
+          <p:nvPr/>
+        </p:nvCxnSpPr>
+        <p:spPr>
+          <a:xfrm>
+            <a:off x="7964939" y="4485116"/>
+            <a:ext cx="549973" cy="0"/>
+          </a:xfrm>
+          <a:prstGeom prst="straightConnector1">
+            <a:avLst/>
+          </a:prstGeom>
+          <a:ln w="19050">
+            <a:tailEnd type="triangle"/>
+          </a:ln>
+        </p:spPr>
+        <p:style>
+          <a:lnRef idx="1">
+            <a:schemeClr val="dk1"/>
+          </a:lnRef>
+          <a:fillRef idx="0">
+            <a:schemeClr val="dk1"/>
+          </a:fillRef>
+          <a:effectRef idx="0">
+            <a:schemeClr val="dk1"/>
+          </a:effectRef>
+          <a:fontRef idx="minor">
+            <a:schemeClr val="tx1"/>
+          </a:fontRef>
+        </p:style>
+      </p:cxnSp>
+      <mc:AlternateContent xmlns:mc="http://schemas.openxmlformats.org/markup-compatibility/2006" xmlns:a14="http://schemas.microsoft.com/office/drawing/2010/main">
+        <mc:Choice Requires="a14">
+          <p:sp>
+            <p:nvSpPr>
+              <p:cNvPr id="54" name="TextBox 53"/>
+              <p:cNvSpPr txBox="1"/>
+              <p:nvPr/>
+            </p:nvSpPr>
+            <p:spPr>
+              <a:xfrm>
+                <a:off x="8109235" y="4172949"/>
+                <a:ext cx="261383" cy="239173"/>
+              </a:xfrm>
+              <a:prstGeom prst="rect">
+                <a:avLst/>
+              </a:prstGeom>
+              <a:noFill/>
+            </p:spPr>
+            <p:txBody>
+              <a:bodyPr wrap="none" lIns="0" tIns="0" rIns="0" bIns="0" rtlCol="0">
+                <a:spAutoFit/>
+              </a:bodyPr>
+              <a:lstStyle/>
+              <a:p>
+                <a:pPr/>
+                <a14:m>
+                  <m:oMathPara xmlns:m="http://schemas.openxmlformats.org/officeDocument/2006/math">
+                    <m:oMathParaPr>
+                      <m:jc m:val="centerGroup"/>
+                    </m:oMathParaPr>
+                    <m:oMath xmlns:m="http://schemas.openxmlformats.org/officeDocument/2006/math">
+                      <m:sSub>
+                        <m:sSubPr>
+                          <m:ctrlPr>
+                            <a:rPr lang="en-US" b="1" i="1" smtClean="0">
+                              <a:latin typeface="Cambria Math" panose="02040503050406030204" pitchFamily="18" charset="0"/>
+                            </a:rPr>
+                          </m:ctrlPr>
+                        </m:sSubPr>
+                        <m:e>
+                          <m:r>
+                            <a:rPr lang="en-US" b="1" i="0" smtClean="0">
+                              <a:latin typeface="Cambria Math" panose="02040503050406030204" pitchFamily="18" charset="0"/>
+                            </a:rPr>
+                            <m:t>𝐒</m:t>
+                          </m:r>
+                        </m:e>
+                        <m:sub>
+                          <m:r>
+                            <a:rPr lang="en-US" b="1" i="1" smtClean="0">
+                              <a:latin typeface="Cambria Math" panose="02040503050406030204" pitchFamily="18" charset="0"/>
+                            </a:rPr>
+                            <m:t>𝟗</m:t>
+                          </m:r>
+                        </m:sub>
+                      </m:sSub>
+                    </m:oMath>
+                  </m:oMathPara>
+                </a14:m>
                 <a:endParaRPr lang="en-US" b="1" dirty="0">
                   <a:latin typeface="+mj-lt"/>
                 </a:endParaRPr>
               </a:p>
             </p:txBody>
           </p:sp>
-          <p:cxnSp>
-            <p:nvCxnSpPr>
-              <p:cNvPr id="45" name="Straight Arrow Connector 44"/>
-              <p:cNvCxnSpPr>
-                <a:stCxn id="41" idx="3"/>
-              </p:cNvCxnSpPr>
+        </mc:Choice>
+        <mc:Fallback xmlns="">
+          <p:sp>
+            <p:nvSpPr>
+              <p:cNvPr id="54" name="TextBox 53"/>
+              <p:cNvSpPr txBox="1">
+                <a:spLocks noRot="1" noChangeAspect="1" noMove="1" noResize="1" noEditPoints="1" noAdjustHandles="1" noChangeArrowheads="1" noChangeShapeType="1" noTextEdit="1"/>
+              </p:cNvSpPr>
               <p:nvPr/>
-            </p:nvCxnSpPr>
+            </p:nvSpPr>
             <p:spPr>
               <a:xfrm>
-                <a:off x="8077479" y="4157663"/>
-                <a:ext cx="596860" cy="0"/>
+                <a:off x="8109235" y="4172949"/>
+                <a:ext cx="261383" cy="239173"/>
               </a:xfrm>
-              <a:prstGeom prst="straightConnector1">
+              <a:prstGeom prst="rect">
                 <a:avLst/>
               </a:prstGeom>
-              <a:ln w="19050">
-                <a:tailEnd type="triangle"/>
-              </a:ln>
+              <a:blipFill>
+                <a:blip r:embed="rId11"/>
+                <a:stretch>
+                  <a:fillRect l="-25581" r="-13953" b="-35897"/>
+                </a:stretch>
+              </a:blipFill>
             </p:spPr>
-            <p:style>
-              <a:lnRef idx="1">
-                <a:schemeClr val="dk1"/>
-              </a:lnRef>
-              <a:fillRef idx="0">
-                <a:schemeClr val="dk1"/>
-              </a:fillRef>
-              <a:effectRef idx="0">
-                <a:schemeClr val="dk1"/>
-              </a:effectRef>
-              <a:fontRef idx="minor">
-                <a:schemeClr val="tx1"/>
-              </a:fontRef>
-            </p:style>
-          </p:cxnSp>
-          <mc:AlternateContent xmlns:mc="http://schemas.openxmlformats.org/markup-compatibility/2006" xmlns:a14="http://schemas.microsoft.com/office/drawing/2010/main">
-            <mc:Choice Requires="a14">
-              <p:sp>
-                <p:nvSpPr>
-                  <p:cNvPr id="54" name="TextBox 53"/>
-                  <p:cNvSpPr txBox="1"/>
-                  <p:nvPr/>
-                </p:nvSpPr>
-                <p:spPr>
-                  <a:xfrm>
-                    <a:off x="8234077" y="3796125"/>
-                    <a:ext cx="283667" cy="277000"/>
-                  </a:xfrm>
-                  <a:prstGeom prst="rect">
-                    <a:avLst/>
-                  </a:prstGeom>
-                  <a:noFill/>
-                </p:spPr>
-                <p:txBody>
-                  <a:bodyPr wrap="none" lIns="0" tIns="0" rIns="0" bIns="0" rtlCol="0">
-                    <a:spAutoFit/>
-                  </a:bodyPr>
-                  <a:lstStyle/>
-                  <a:p>
-                    <a:pPr/>
-                    <a14:m>
-                      <m:oMathPara xmlns:m="http://schemas.openxmlformats.org/officeDocument/2006/math">
-                        <m:oMathParaPr>
-                          <m:jc m:val="centerGroup"/>
-                        </m:oMathParaPr>
-                        <m:oMath xmlns:m="http://schemas.openxmlformats.org/officeDocument/2006/math">
-                          <m:sSub>
-                            <m:sSubPr>
-                              <m:ctrlPr>
-                                <a:rPr lang="en-US" b="1" i="1" smtClean="0">
-                                  <a:latin typeface="Cambria Math" panose="02040503050406030204" pitchFamily="18" charset="0"/>
-                                </a:rPr>
-                              </m:ctrlPr>
-                            </m:sSubPr>
-                            <m:e>
-                              <m:r>
-                                <a:rPr lang="en-US" b="1" i="0" smtClean="0">
-                                  <a:latin typeface="Cambria Math" panose="02040503050406030204" pitchFamily="18" charset="0"/>
-                                </a:rPr>
-                                <m:t>𝐒</m:t>
-                              </m:r>
-                            </m:e>
-                            <m:sub>
-                              <m:r>
-                                <a:rPr lang="en-US" b="1" i="1" smtClean="0">
-                                  <a:latin typeface="Cambria Math" panose="02040503050406030204" pitchFamily="18" charset="0"/>
-                                </a:rPr>
-                                <m:t>𝟗</m:t>
-                              </m:r>
-                            </m:sub>
-                          </m:sSub>
-                        </m:oMath>
-                      </m:oMathPara>
-                    </a14:m>
-                    <a:endParaRPr lang="en-US" b="1" dirty="0">
-                      <a:latin typeface="+mj-lt"/>
-                    </a:endParaRPr>
-                  </a:p>
-                </p:txBody>
-              </p:sp>
-            </mc:Choice>
-            <mc:Fallback xmlns="">
-              <p:sp>
-                <p:nvSpPr>
-                  <p:cNvPr id="54" name="TextBox 53"/>
-                  <p:cNvSpPr txBox="1">
-                    <a:spLocks noRot="1" noChangeAspect="1" noMove="1" noResize="1" noEditPoints="1" noAdjustHandles="1" noChangeArrowheads="1" noChangeShapeType="1" noTextEdit="1"/>
-                  </p:cNvSpPr>
-                  <p:nvPr/>
-                </p:nvSpPr>
-                <p:spPr>
-                  <a:xfrm>
-                    <a:off x="8234077" y="3796125"/>
-                    <a:ext cx="283667" cy="277000"/>
-                  </a:xfrm>
-                  <a:prstGeom prst="rect">
-                    <a:avLst/>
-                  </a:prstGeom>
-                  <a:blipFill>
-                    <a:blip r:embed="rId11"/>
-                    <a:stretch>
-                      <a:fillRect l="-25581" r="-13953" b="-32500"/>
-                    </a:stretch>
-                  </a:blipFill>
-                </p:spPr>
-                <p:txBody>
-                  <a:bodyPr/>
-                  <a:lstStyle/>
-                  <a:p>
-                    <a:r>
-                      <a:rPr lang="en-US">
-                        <a:noFill/>
-                      </a:rPr>
-                      <a:t> </a:t>
-                    </a:r>
-                  </a:p>
-                </p:txBody>
-              </p:sp>
-            </mc:Fallback>
-          </mc:AlternateContent>
-          <mc:AlternateContent xmlns:mc="http://schemas.openxmlformats.org/markup-compatibility/2006" xmlns:a14="http://schemas.microsoft.com/office/drawing/2010/main">
-            <mc:Choice Requires="a14">
-              <p:sp>
-                <p:nvSpPr>
-                  <p:cNvPr id="32" name="TextBox 31"/>
-                  <p:cNvSpPr txBox="1"/>
-                  <p:nvPr/>
-                </p:nvSpPr>
-                <p:spPr>
-                  <a:xfrm>
-                    <a:off x="9601110" y="4916189"/>
-                    <a:ext cx="384657" cy="276999"/>
-                  </a:xfrm>
-                  <a:prstGeom prst="rect">
-                    <a:avLst/>
-                  </a:prstGeom>
-                  <a:noFill/>
-                </p:spPr>
-                <p:txBody>
-                  <a:bodyPr wrap="none" lIns="0" tIns="0" rIns="0" bIns="0" rtlCol="0">
-                    <a:spAutoFit/>
-                  </a:bodyPr>
-                  <a:lstStyle/>
-                  <a:p>
-                    <a:pPr/>
-                    <a14:m>
-                      <m:oMathPara xmlns:m="http://schemas.openxmlformats.org/officeDocument/2006/math">
-                        <m:oMathParaPr>
-                          <m:jc m:val="centerGroup"/>
-                        </m:oMathParaPr>
-                        <m:oMath xmlns:m="http://schemas.openxmlformats.org/officeDocument/2006/math">
-                          <m:sSub>
-                            <m:sSubPr>
-                              <m:ctrlPr>
-                                <a:rPr lang="en-US" b="1" i="1" smtClean="0">
-                                  <a:latin typeface="Cambria Math" panose="02040503050406030204" pitchFamily="18" charset="0"/>
-                                </a:rPr>
-                              </m:ctrlPr>
-                            </m:sSubPr>
-                            <m:e>
-                              <m:r>
-                                <a:rPr lang="en-US" b="1" i="0" smtClean="0">
-                                  <a:latin typeface="Cambria Math" panose="02040503050406030204" pitchFamily="18" charset="0"/>
-                                </a:rPr>
-                                <m:t>𝐒</m:t>
-                              </m:r>
-                            </m:e>
-                            <m:sub>
-                              <m:r>
-                                <a:rPr lang="en-US" b="1" i="1" smtClean="0">
-                                  <a:latin typeface="Cambria Math" panose="02040503050406030204" pitchFamily="18" charset="0"/>
-                                </a:rPr>
-                                <m:t>𝟏𝟎</m:t>
-                              </m:r>
-                            </m:sub>
-                          </m:sSub>
-                        </m:oMath>
-                      </m:oMathPara>
-                    </a14:m>
-                    <a:endParaRPr lang="en-US" b="1" dirty="0">
-                      <a:latin typeface="+mj-lt"/>
-                    </a:endParaRPr>
-                  </a:p>
-                </p:txBody>
-              </p:sp>
-            </mc:Choice>
-            <mc:Fallback xmlns="">
-              <p:sp>
-                <p:nvSpPr>
-                  <p:cNvPr id="32" name="TextBox 31"/>
-                  <p:cNvSpPr txBox="1">
-                    <a:spLocks noRot="1" noChangeAspect="1" noMove="1" noResize="1" noEditPoints="1" noAdjustHandles="1" noChangeArrowheads="1" noChangeShapeType="1" noTextEdit="1"/>
-                  </p:cNvSpPr>
-                  <p:nvPr/>
-                </p:nvSpPr>
-                <p:spPr>
-                  <a:xfrm>
-                    <a:off x="9601110" y="4916189"/>
-                    <a:ext cx="384657" cy="276999"/>
-                  </a:xfrm>
-                  <a:prstGeom prst="rect">
-                    <a:avLst/>
-                  </a:prstGeom>
-                  <a:blipFill>
-                    <a:blip r:embed="rId12"/>
-                    <a:stretch>
-                      <a:fillRect l="-20690" r="-13793" b="-35897"/>
-                    </a:stretch>
-                  </a:blipFill>
-                </p:spPr>
-                <p:txBody>
-                  <a:bodyPr/>
-                  <a:lstStyle/>
-                  <a:p>
-                    <a:r>
-                      <a:rPr lang="en-US">
-                        <a:noFill/>
-                      </a:rPr>
-                      <a:t> </a:t>
-                    </a:r>
-                  </a:p>
-                </p:txBody>
-              </p:sp>
-            </mc:Fallback>
-          </mc:AlternateContent>
-        </p:grpSp>
-        <p:sp>
-          <p:nvSpPr>
-            <p:cNvPr id="34" name="Rounded Rectangle 33"/>
-            <p:cNvSpPr/>
-            <p:nvPr/>
-          </p:nvSpPr>
-          <p:spPr>
-            <a:xfrm>
-              <a:off x="6240652" y="210321"/>
-              <a:ext cx="1661387" cy="1003495"/>
-            </a:xfrm>
-            <a:prstGeom prst="roundRect">
-              <a:avLst/>
-            </a:prstGeom>
-            <a:ln w="19050"/>
-          </p:spPr>
-          <p:style>
-            <a:lnRef idx="2">
-              <a:schemeClr val="dk1"/>
-            </a:lnRef>
-            <a:fillRef idx="1">
-              <a:schemeClr val="lt1"/>
-            </a:fillRef>
-            <a:effectRef idx="0">
-              <a:schemeClr val="dk1"/>
-            </a:effectRef>
-            <a:fontRef idx="minor">
-              <a:schemeClr val="dk1"/>
-            </a:fontRef>
-          </p:style>
-          <p:txBody>
-            <a:bodyPr rtlCol="0" anchor="ctr"/>
-            <a:lstStyle/>
-            <a:p>
-              <a:pPr algn="ctr"/>
-              <a:r>
-                <a:rPr lang="en-US" b="1" dirty="0" smtClean="0">
+            <p:txBody>
+              <a:bodyPr/>
+              <a:lstStyle/>
+              <a:p>
+                <a:r>
+                  <a:rPr lang="en-US">
+                    <a:noFill/>
+                  </a:rPr>
+                  <a:t> </a:t>
+                </a:r>
+              </a:p>
+            </p:txBody>
+          </p:sp>
+        </mc:Fallback>
+      </mc:AlternateContent>
+      <mc:AlternateContent xmlns:mc="http://schemas.openxmlformats.org/markup-compatibility/2006" xmlns:a14="http://schemas.microsoft.com/office/drawing/2010/main">
+        <mc:Choice Requires="a14">
+          <p:sp>
+            <p:nvSpPr>
+              <p:cNvPr id="32" name="TextBox 31"/>
+              <p:cNvSpPr txBox="1"/>
+              <p:nvPr/>
+            </p:nvSpPr>
+            <p:spPr>
+              <a:xfrm>
+                <a:off x="9368878" y="5140059"/>
+                <a:ext cx="354440" cy="239173"/>
+              </a:xfrm>
+              <a:prstGeom prst="rect">
+                <a:avLst/>
+              </a:prstGeom>
+              <a:noFill/>
+            </p:spPr>
+            <p:txBody>
+              <a:bodyPr wrap="none" lIns="0" tIns="0" rIns="0" bIns="0" rtlCol="0">
+                <a:spAutoFit/>
+              </a:bodyPr>
+              <a:lstStyle/>
+              <a:p>
+                <a:pPr/>
+                <a14:m>
+                  <m:oMathPara xmlns:m="http://schemas.openxmlformats.org/officeDocument/2006/math">
+                    <m:oMathParaPr>
+                      <m:jc m:val="centerGroup"/>
+                    </m:oMathParaPr>
+                    <m:oMath xmlns:m="http://schemas.openxmlformats.org/officeDocument/2006/math">
+                      <m:sSub>
+                        <m:sSubPr>
+                          <m:ctrlPr>
+                            <a:rPr lang="en-US" b="1" i="1" smtClean="0">
+                              <a:latin typeface="Cambria Math" panose="02040503050406030204" pitchFamily="18" charset="0"/>
+                            </a:rPr>
+                          </m:ctrlPr>
+                        </m:sSubPr>
+                        <m:e>
+                          <m:r>
+                            <a:rPr lang="en-US" b="1" i="0" smtClean="0">
+                              <a:latin typeface="Cambria Math" panose="02040503050406030204" pitchFamily="18" charset="0"/>
+                            </a:rPr>
+                            <m:t>𝐒</m:t>
+                          </m:r>
+                        </m:e>
+                        <m:sub>
+                          <m:r>
+                            <a:rPr lang="en-US" b="1" i="1" smtClean="0">
+                              <a:latin typeface="Cambria Math" panose="02040503050406030204" pitchFamily="18" charset="0"/>
+                            </a:rPr>
+                            <m:t>𝟏𝟎</m:t>
+                          </m:r>
+                        </m:sub>
+                      </m:sSub>
+                    </m:oMath>
+                  </m:oMathPara>
+                </a14:m>
+                <a:endParaRPr lang="en-US" b="1" dirty="0">
                   <a:latin typeface="+mj-lt"/>
-                </a:rPr>
-                <a:t>Sink</a:t>
-              </a:r>
-              <a:endParaRPr lang="en-US" b="1" dirty="0">
+                </a:endParaRPr>
+              </a:p>
+            </p:txBody>
+          </p:sp>
+        </mc:Choice>
+        <mc:Fallback xmlns="">
+          <p:sp>
+            <p:nvSpPr>
+              <p:cNvPr id="32" name="TextBox 31"/>
+              <p:cNvSpPr txBox="1">
+                <a:spLocks noRot="1" noChangeAspect="1" noMove="1" noResize="1" noEditPoints="1" noAdjustHandles="1" noChangeArrowheads="1" noChangeShapeType="1" noTextEdit="1"/>
+              </p:cNvSpPr>
+              <p:nvPr/>
+            </p:nvSpPr>
+            <p:spPr>
+              <a:xfrm>
+                <a:off x="9368878" y="5140059"/>
+                <a:ext cx="354440" cy="239173"/>
+              </a:xfrm>
+              <a:prstGeom prst="rect">
+                <a:avLst/>
+              </a:prstGeom>
+              <a:blipFill>
+                <a:blip r:embed="rId12"/>
+                <a:stretch>
+                  <a:fillRect l="-20690" r="-13793" b="-35897"/>
+                </a:stretch>
+              </a:blipFill>
+            </p:spPr>
+            <p:txBody>
+              <a:bodyPr/>
+              <a:lstStyle/>
+              <a:p>
+                <a:r>
+                  <a:rPr lang="en-US">
+                    <a:noFill/>
+                  </a:rPr>
+                  <a:t> </a:t>
+                </a:r>
+              </a:p>
+            </p:txBody>
+          </p:sp>
+        </mc:Fallback>
+      </mc:AlternateContent>
+      <p:sp>
+        <p:nvSpPr>
+          <p:cNvPr id="34" name="Rounded Rectangle 33"/>
+          <p:cNvSpPr/>
+          <p:nvPr/>
+        </p:nvSpPr>
+        <p:spPr>
+          <a:xfrm>
+            <a:off x="6302796" y="157055"/>
+            <a:ext cx="1661387" cy="1003495"/>
+          </a:xfrm>
+          <a:prstGeom prst="roundRect">
+            <a:avLst/>
+          </a:prstGeom>
+          <a:ln w="19050"/>
+        </p:spPr>
+        <p:style>
+          <a:lnRef idx="2">
+            <a:schemeClr val="dk1"/>
+          </a:lnRef>
+          <a:fillRef idx="1">
+            <a:schemeClr val="lt1"/>
+          </a:fillRef>
+          <a:effectRef idx="0">
+            <a:schemeClr val="dk1"/>
+          </a:effectRef>
+          <a:fontRef idx="minor">
+            <a:schemeClr val="dk1"/>
+          </a:fontRef>
+        </p:style>
+        <p:txBody>
+          <a:bodyPr rtlCol="0" anchor="ctr"/>
+          <a:lstStyle/>
+          <a:p>
+            <a:pPr algn="ctr"/>
+            <a:r>
+              <a:rPr lang="en-US" b="1" dirty="0" smtClean="0">
                 <a:latin typeface="+mj-lt"/>
-              </a:endParaRPr>
-            </a:p>
-          </p:txBody>
-        </p:sp>
-        <p:cxnSp>
-          <p:nvCxnSpPr>
-            <p:cNvPr id="4" name="Elbow Connector 3"/>
-            <p:cNvCxnSpPr>
-              <a:stCxn id="177" idx="0"/>
-              <a:endCxn id="34" idx="1"/>
-            </p:cNvCxnSpPr>
-            <p:nvPr/>
-          </p:nvCxnSpPr>
-          <p:spPr>
-            <a:xfrm rot="5400000" flipH="1" flipV="1">
-              <a:off x="5092157" y="467241"/>
-              <a:ext cx="903667" cy="1393324"/>
-            </a:xfrm>
-            <a:prstGeom prst="bentConnector2">
-              <a:avLst/>
-            </a:prstGeom>
-            <a:ln w="19050">
-              <a:tailEnd type="triangle"/>
-            </a:ln>
-          </p:spPr>
-          <p:style>
-            <a:lnRef idx="1">
-              <a:schemeClr val="dk1"/>
-            </a:lnRef>
-            <a:fillRef idx="0">
-              <a:schemeClr val="dk1"/>
-            </a:fillRef>
-            <a:effectRef idx="0">
-              <a:schemeClr val="dk1"/>
-            </a:effectRef>
-            <a:fontRef idx="minor">
-              <a:schemeClr val="tx1"/>
-            </a:fontRef>
-          </p:style>
-        </p:cxnSp>
-        <mc:AlternateContent xmlns:mc="http://schemas.openxmlformats.org/markup-compatibility/2006">
-          <mc:Choice xmlns:a14="http://schemas.microsoft.com/office/drawing/2010/main" Requires="a14">
-            <p:sp>
-              <p:nvSpPr>
-                <p:cNvPr id="5" name="Rectangle 4"/>
-                <p:cNvSpPr/>
-                <p:nvPr/>
-              </p:nvSpPr>
-              <p:spPr>
-                <a:xfrm>
-                  <a:off x="5690177" y="686313"/>
-                  <a:ext cx="572529" cy="369332"/>
-                </a:xfrm>
-                <a:prstGeom prst="rect">
-                  <a:avLst/>
-                </a:prstGeom>
-              </p:spPr>
-              <p:txBody>
-                <a:bodyPr wrap="none">
-                  <a:spAutoFit/>
-                </a:bodyPr>
-                <a:lstStyle/>
-                <a:p>
-                  <a:pPr/>
-                  <a14:m>
-                    <m:oMathPara xmlns:m="http://schemas.openxmlformats.org/officeDocument/2006/math">
-                      <m:oMathParaPr>
-                        <m:jc m:val="centerGroup"/>
-                      </m:oMathParaPr>
-                      <m:oMath xmlns:m="http://schemas.openxmlformats.org/officeDocument/2006/math">
-                        <m:sSub>
-                          <m:sSubPr>
-                            <m:ctrlPr>
-                              <a:rPr lang="en-US" b="1" i="1" smtClean="0">
-                                <a:latin typeface="Cambria Math" panose="02040503050406030204" pitchFamily="18" charset="0"/>
-                              </a:rPr>
-                            </m:ctrlPr>
-                          </m:sSubPr>
-                          <m:e>
-                            <m:r>
-                              <a:rPr lang="en-US" b="1">
-                                <a:latin typeface="Cambria Math" panose="02040503050406030204" pitchFamily="18" charset="0"/>
-                              </a:rPr>
-                              <m:t>𝐒</m:t>
-                            </m:r>
-                          </m:e>
-                          <m:sub>
-                            <m:r>
-                              <a:rPr lang="en-US" b="1" i="0" smtClean="0">
-                                <a:latin typeface="Cambria Math" panose="02040503050406030204" pitchFamily="18" charset="0"/>
-                              </a:rPr>
-                              <m:t>𝟐𝐛</m:t>
-                            </m:r>
-                          </m:sub>
-                        </m:sSub>
-                      </m:oMath>
-                    </m:oMathPara>
-                  </a14:m>
-                  <a:endParaRPr lang="en-US" dirty="0"/>
-                </a:p>
-              </p:txBody>
-            </p:sp>
-          </mc:Choice>
-          <mc:Fallback>
-            <p:sp>
-              <p:nvSpPr>
-                <p:cNvPr id="5" name="Rectangle 4"/>
-                <p:cNvSpPr>
-                  <a:spLocks noRot="1" noChangeAspect="1" noMove="1" noResize="1" noEditPoints="1" noAdjustHandles="1" noChangeArrowheads="1" noChangeShapeType="1" noTextEdit="1"/>
-                </p:cNvSpPr>
-                <p:nvPr/>
-              </p:nvSpPr>
-              <p:spPr>
-                <a:xfrm>
-                  <a:off x="5690177" y="686313"/>
-                  <a:ext cx="572529" cy="369332"/>
-                </a:xfrm>
-                <a:prstGeom prst="rect">
-                  <a:avLst/>
-                </a:prstGeom>
-                <a:blipFill>
-                  <a:blip r:embed="rId13"/>
-                  <a:stretch>
-                    <a:fillRect b="-1667"/>
-                  </a:stretch>
-                </a:blipFill>
-              </p:spPr>
-              <p:txBody>
-                <a:bodyPr/>
-                <a:lstStyle/>
-                <a:p>
-                  <a:r>
-                    <a:rPr lang="en-US">
-                      <a:noFill/>
-                    </a:rPr>
-                    <a:t> </a:t>
-                  </a:r>
-                </a:p>
-              </p:txBody>
-            </p:sp>
-          </mc:Fallback>
-        </mc:AlternateContent>
-      </p:grpSp>
+              </a:rPr>
+              <a:t>Sink</a:t>
+            </a:r>
+            <a:endParaRPr lang="en-US" b="1" dirty="0">
+              <a:latin typeface="+mj-lt"/>
+            </a:endParaRPr>
+          </a:p>
+        </p:txBody>
+      </p:sp>
+      <p:cxnSp>
+        <p:nvCxnSpPr>
+          <p:cNvPr id="4" name="Elbow Connector 3"/>
+          <p:cNvCxnSpPr>
+            <a:stCxn id="177" idx="0"/>
+            <a:endCxn id="34" idx="1"/>
+          </p:cNvCxnSpPr>
+          <p:nvPr/>
+        </p:nvCxnSpPr>
+        <p:spPr>
+          <a:xfrm rot="5400000" flipH="1" flipV="1">
+            <a:off x="5154301" y="413975"/>
+            <a:ext cx="903667" cy="1393324"/>
+          </a:xfrm>
+          <a:prstGeom prst="bentConnector2">
+            <a:avLst/>
+          </a:prstGeom>
+          <a:ln w="19050">
+            <a:tailEnd type="triangle"/>
+          </a:ln>
+        </p:spPr>
+        <p:style>
+          <a:lnRef idx="1">
+            <a:schemeClr val="dk1"/>
+          </a:lnRef>
+          <a:fillRef idx="0">
+            <a:schemeClr val="dk1"/>
+          </a:fillRef>
+          <a:effectRef idx="0">
+            <a:schemeClr val="dk1"/>
+          </a:effectRef>
+          <a:fontRef idx="minor">
+            <a:schemeClr val="tx1"/>
+          </a:fontRef>
+        </p:style>
+      </p:cxnSp>
+      <mc:AlternateContent xmlns:mc="http://schemas.openxmlformats.org/markup-compatibility/2006" xmlns:a14="http://schemas.microsoft.com/office/drawing/2010/main">
+        <mc:Choice Requires="a14">
+          <p:sp>
+            <p:nvSpPr>
+              <p:cNvPr id="5" name="Rectangle 4"/>
+              <p:cNvSpPr/>
+              <p:nvPr/>
+            </p:nvSpPr>
+            <p:spPr>
+              <a:xfrm>
+                <a:off x="5752321" y="633047"/>
+                <a:ext cx="572529" cy="369332"/>
+              </a:xfrm>
+              <a:prstGeom prst="rect">
+                <a:avLst/>
+              </a:prstGeom>
+            </p:spPr>
+            <p:txBody>
+              <a:bodyPr wrap="none">
+                <a:spAutoFit/>
+              </a:bodyPr>
+              <a:lstStyle/>
+              <a:p>
+                <a:pPr/>
+                <a14:m>
+                  <m:oMathPara xmlns:m="http://schemas.openxmlformats.org/officeDocument/2006/math">
+                    <m:oMathParaPr>
+                      <m:jc m:val="centerGroup"/>
+                    </m:oMathParaPr>
+                    <m:oMath xmlns:m="http://schemas.openxmlformats.org/officeDocument/2006/math">
+                      <m:sSub>
+                        <m:sSubPr>
+                          <m:ctrlPr>
+                            <a:rPr lang="en-US" b="1" i="1" smtClean="0">
+                              <a:latin typeface="Cambria Math" panose="02040503050406030204" pitchFamily="18" charset="0"/>
+                            </a:rPr>
+                          </m:ctrlPr>
+                        </m:sSubPr>
+                        <m:e>
+                          <m:r>
+                            <a:rPr lang="en-US" b="1">
+                              <a:latin typeface="Cambria Math" panose="02040503050406030204" pitchFamily="18" charset="0"/>
+                            </a:rPr>
+                            <m:t>𝐒</m:t>
+                          </m:r>
+                        </m:e>
+                        <m:sub>
+                          <m:r>
+                            <a:rPr lang="en-US" b="1" i="0" smtClean="0">
+                              <a:latin typeface="Cambria Math" panose="02040503050406030204" pitchFamily="18" charset="0"/>
+                            </a:rPr>
+                            <m:t>𝟐𝐛</m:t>
+                          </m:r>
+                        </m:sub>
+                      </m:sSub>
+                    </m:oMath>
+                  </m:oMathPara>
+                </a14:m>
+                <a:endParaRPr lang="en-US" dirty="0"/>
+              </a:p>
+            </p:txBody>
+          </p:sp>
+        </mc:Choice>
+        <mc:Fallback xmlns="">
+          <p:sp>
+            <p:nvSpPr>
+              <p:cNvPr id="5" name="Rectangle 4"/>
+              <p:cNvSpPr>
+                <a:spLocks noRot="1" noChangeAspect="1" noMove="1" noResize="1" noEditPoints="1" noAdjustHandles="1" noChangeArrowheads="1" noChangeShapeType="1" noTextEdit="1"/>
+              </p:cNvSpPr>
+              <p:nvPr/>
+            </p:nvSpPr>
+            <p:spPr>
+              <a:xfrm>
+                <a:off x="5752321" y="633047"/>
+                <a:ext cx="572529" cy="369332"/>
+              </a:xfrm>
+              <a:prstGeom prst="rect">
+                <a:avLst/>
+              </a:prstGeom>
+              <a:blipFill>
+                <a:blip r:embed="rId13"/>
+                <a:stretch>
+                  <a:fillRect b="-1667"/>
+                </a:stretch>
+              </a:blipFill>
+            </p:spPr>
+            <p:txBody>
+              <a:bodyPr/>
+              <a:lstStyle/>
+              <a:p>
+                <a:r>
+                  <a:rPr lang="en-US">
+                    <a:noFill/>
+                  </a:rPr>
+                  <a:t> </a:t>
+                </a:r>
+              </a:p>
+            </p:txBody>
+          </p:sp>
+        </mc:Fallback>
+      </mc:AlternateContent>
+      <p:sp>
+        <p:nvSpPr>
+          <p:cNvPr id="25" name="TextBox 24"/>
+          <p:cNvSpPr txBox="1"/>
+          <p:nvPr/>
+        </p:nvSpPr>
+        <p:spPr>
+          <a:xfrm>
+            <a:off x="3212838" y="1550122"/>
+            <a:ext cx="395040" cy="307777"/>
+          </a:xfrm>
+          <a:prstGeom prst="rect">
+            <a:avLst/>
+          </a:prstGeom>
+          <a:noFill/>
+        </p:spPr>
+        <p:txBody>
+          <a:bodyPr wrap="square" rtlCol="0">
+            <a:spAutoFit/>
+          </a:bodyPr>
+          <a:lstStyle/>
+          <a:p>
+            <a:r>
+              <a:rPr lang="en-US" sz="1400" b="1" dirty="0" smtClean="0"/>
+              <a:t>B1</a:t>
+            </a:r>
+            <a:endParaRPr lang="en-US" sz="1400" b="1" dirty="0"/>
+          </a:p>
+        </p:txBody>
+      </p:sp>
+      <p:sp>
+        <p:nvSpPr>
+          <p:cNvPr id="58" name="TextBox 57"/>
+          <p:cNvSpPr txBox="1"/>
+          <p:nvPr/>
+        </p:nvSpPr>
+        <p:spPr>
+          <a:xfrm>
+            <a:off x="7633254" y="131912"/>
+            <a:ext cx="377026" cy="307777"/>
+          </a:xfrm>
+          <a:prstGeom prst="rect">
+            <a:avLst/>
+          </a:prstGeom>
+          <a:noFill/>
+        </p:spPr>
+        <p:txBody>
+          <a:bodyPr wrap="none" rtlCol="0">
+            <a:spAutoFit/>
+          </a:bodyPr>
+          <a:lstStyle/>
+          <a:p>
+            <a:r>
+              <a:rPr lang="en-US" sz="1400" b="1" dirty="0" smtClean="0"/>
+              <a:t>B3</a:t>
+            </a:r>
+            <a:endParaRPr lang="en-US" sz="1400" b="1" dirty="0"/>
+          </a:p>
+        </p:txBody>
+      </p:sp>
+      <p:sp>
+        <p:nvSpPr>
+          <p:cNvPr id="60" name="TextBox 59"/>
+          <p:cNvSpPr txBox="1"/>
+          <p:nvPr/>
+        </p:nvSpPr>
+        <p:spPr>
+          <a:xfrm>
+            <a:off x="5430811" y="1550123"/>
+            <a:ext cx="395040" cy="307777"/>
+          </a:xfrm>
+          <a:prstGeom prst="rect">
+            <a:avLst/>
+          </a:prstGeom>
+          <a:noFill/>
+        </p:spPr>
+        <p:txBody>
+          <a:bodyPr wrap="square" rtlCol="0">
+            <a:spAutoFit/>
+          </a:bodyPr>
+          <a:lstStyle/>
+          <a:p>
+            <a:r>
+              <a:rPr lang="en-US" sz="1400" b="1" dirty="0" smtClean="0"/>
+              <a:t>B2</a:t>
+            </a:r>
+            <a:endParaRPr lang="en-US" sz="1400" b="1" dirty="0"/>
+          </a:p>
+        </p:txBody>
+      </p:sp>
+      <p:sp>
+        <p:nvSpPr>
+          <p:cNvPr id="61" name="TextBox 60"/>
+          <p:cNvSpPr txBox="1"/>
+          <p:nvPr/>
+        </p:nvSpPr>
+        <p:spPr>
+          <a:xfrm>
+            <a:off x="7636229" y="1550122"/>
+            <a:ext cx="395040" cy="307777"/>
+          </a:xfrm>
+          <a:prstGeom prst="rect">
+            <a:avLst/>
+          </a:prstGeom>
+          <a:noFill/>
+        </p:spPr>
+        <p:txBody>
+          <a:bodyPr wrap="square" rtlCol="0">
+            <a:spAutoFit/>
+          </a:bodyPr>
+          <a:lstStyle/>
+          <a:p>
+            <a:r>
+              <a:rPr lang="en-US" sz="1400" b="1" dirty="0" smtClean="0"/>
+              <a:t>B4</a:t>
+            </a:r>
+            <a:endParaRPr lang="en-US" sz="1400" b="1" dirty="0"/>
+          </a:p>
+        </p:txBody>
+      </p:sp>
+      <p:sp>
+        <p:nvSpPr>
+          <p:cNvPr id="62" name="TextBox 61"/>
+          <p:cNvSpPr txBox="1"/>
+          <p:nvPr/>
+        </p:nvSpPr>
+        <p:spPr>
+          <a:xfrm>
+            <a:off x="9857605" y="1550125"/>
+            <a:ext cx="395040" cy="307777"/>
+          </a:xfrm>
+          <a:prstGeom prst="rect">
+            <a:avLst/>
+          </a:prstGeom>
+          <a:noFill/>
+        </p:spPr>
+        <p:txBody>
+          <a:bodyPr wrap="square" rtlCol="0">
+            <a:spAutoFit/>
+          </a:bodyPr>
+          <a:lstStyle/>
+          <a:p>
+            <a:r>
+              <a:rPr lang="en-US" sz="1400" b="1" dirty="0" smtClean="0"/>
+              <a:t>B5</a:t>
+            </a:r>
+            <a:endParaRPr lang="en-US" sz="1400" b="1" dirty="0"/>
+          </a:p>
+        </p:txBody>
+      </p:sp>
+      <p:sp>
+        <p:nvSpPr>
+          <p:cNvPr id="63" name="TextBox 62"/>
+          <p:cNvSpPr txBox="1"/>
+          <p:nvPr/>
+        </p:nvSpPr>
+        <p:spPr>
+          <a:xfrm>
+            <a:off x="3209399" y="3726914"/>
+            <a:ext cx="395040" cy="307777"/>
+          </a:xfrm>
+          <a:prstGeom prst="rect">
+            <a:avLst/>
+          </a:prstGeom>
+          <a:noFill/>
+        </p:spPr>
+        <p:txBody>
+          <a:bodyPr wrap="square" rtlCol="0">
+            <a:spAutoFit/>
+          </a:bodyPr>
+          <a:lstStyle/>
+          <a:p>
+            <a:r>
+              <a:rPr lang="en-US" sz="1400" b="1" dirty="0" smtClean="0"/>
+              <a:t>B7</a:t>
+            </a:r>
+            <a:endParaRPr lang="en-US" sz="1400" b="1" dirty="0"/>
+          </a:p>
+        </p:txBody>
+      </p:sp>
+      <p:sp>
+        <p:nvSpPr>
+          <p:cNvPr id="64" name="TextBox 63"/>
+          <p:cNvSpPr txBox="1"/>
+          <p:nvPr/>
+        </p:nvSpPr>
+        <p:spPr>
+          <a:xfrm>
+            <a:off x="3209399" y="5671092"/>
+            <a:ext cx="395040" cy="307777"/>
+          </a:xfrm>
+          <a:prstGeom prst="rect">
+            <a:avLst/>
+          </a:prstGeom>
+          <a:noFill/>
+        </p:spPr>
+        <p:txBody>
+          <a:bodyPr wrap="square" rtlCol="0">
+            <a:spAutoFit/>
+          </a:bodyPr>
+          <a:lstStyle/>
+          <a:p>
+            <a:r>
+              <a:rPr lang="en-US" sz="1400" b="1" dirty="0" smtClean="0"/>
+              <a:t>B6</a:t>
+            </a:r>
+            <a:endParaRPr lang="en-US" sz="1400" b="1" dirty="0"/>
+          </a:p>
+        </p:txBody>
+      </p:sp>
+      <p:sp>
+        <p:nvSpPr>
+          <p:cNvPr id="65" name="TextBox 64"/>
+          <p:cNvSpPr txBox="1"/>
+          <p:nvPr/>
+        </p:nvSpPr>
+        <p:spPr>
+          <a:xfrm>
+            <a:off x="5408614" y="3726914"/>
+            <a:ext cx="395040" cy="307777"/>
+          </a:xfrm>
+          <a:prstGeom prst="rect">
+            <a:avLst/>
+          </a:prstGeom>
+          <a:noFill/>
+        </p:spPr>
+        <p:txBody>
+          <a:bodyPr wrap="square" rtlCol="0">
+            <a:spAutoFit/>
+          </a:bodyPr>
+          <a:lstStyle/>
+          <a:p>
+            <a:r>
+              <a:rPr lang="en-US" sz="1400" b="1" dirty="0" smtClean="0"/>
+              <a:t>B8</a:t>
+            </a:r>
+            <a:endParaRPr lang="en-US" sz="1400" b="1" dirty="0"/>
+          </a:p>
+        </p:txBody>
+      </p:sp>
+      <p:sp>
+        <p:nvSpPr>
+          <p:cNvPr id="66" name="TextBox 65"/>
+          <p:cNvSpPr txBox="1"/>
+          <p:nvPr/>
+        </p:nvSpPr>
+        <p:spPr>
+          <a:xfrm>
+            <a:off x="7633254" y="4177338"/>
+            <a:ext cx="395040" cy="307777"/>
+          </a:xfrm>
+          <a:prstGeom prst="rect">
+            <a:avLst/>
+          </a:prstGeom>
+          <a:noFill/>
+        </p:spPr>
+        <p:txBody>
+          <a:bodyPr wrap="square" rtlCol="0">
+            <a:spAutoFit/>
+          </a:bodyPr>
+          <a:lstStyle/>
+          <a:p>
+            <a:r>
+              <a:rPr lang="en-US" sz="1400" b="1" dirty="0" smtClean="0"/>
+              <a:t>B9</a:t>
+            </a:r>
+            <a:endParaRPr lang="en-US" sz="1400" b="1" dirty="0"/>
+          </a:p>
+        </p:txBody>
+      </p:sp>
+      <p:sp>
+        <p:nvSpPr>
+          <p:cNvPr id="67" name="TextBox 66"/>
+          <p:cNvSpPr txBox="1"/>
+          <p:nvPr/>
+        </p:nvSpPr>
+        <p:spPr>
+          <a:xfrm>
+            <a:off x="9723318" y="3363192"/>
+            <a:ext cx="479342" cy="307777"/>
+          </a:xfrm>
+          <a:prstGeom prst="rect">
+            <a:avLst/>
+          </a:prstGeom>
+          <a:noFill/>
+        </p:spPr>
+        <p:txBody>
+          <a:bodyPr wrap="square" rtlCol="0">
+            <a:spAutoFit/>
+          </a:bodyPr>
+          <a:lstStyle/>
+          <a:p>
+            <a:r>
+              <a:rPr lang="en-US" sz="1400" b="1" dirty="0" smtClean="0"/>
+              <a:t>B10</a:t>
+            </a:r>
+            <a:endParaRPr lang="en-US" sz="1400" b="1" dirty="0"/>
+          </a:p>
+        </p:txBody>
+      </p:sp>
+      <p:sp>
+        <p:nvSpPr>
+          <p:cNvPr id="68" name="TextBox 67"/>
+          <p:cNvSpPr txBox="1"/>
+          <p:nvPr/>
+        </p:nvSpPr>
+        <p:spPr>
+          <a:xfrm>
+            <a:off x="9725640" y="5671092"/>
+            <a:ext cx="479342" cy="307777"/>
+          </a:xfrm>
+          <a:prstGeom prst="rect">
+            <a:avLst/>
+          </a:prstGeom>
+          <a:noFill/>
+        </p:spPr>
+        <p:txBody>
+          <a:bodyPr wrap="square" rtlCol="0">
+            <a:spAutoFit/>
+          </a:bodyPr>
+          <a:lstStyle/>
+          <a:p>
+            <a:r>
+              <a:rPr lang="en-US" sz="1400" b="1" dirty="0" smtClean="0"/>
+              <a:t>B11</a:t>
+            </a:r>
+            <a:endParaRPr lang="en-US" sz="1400" b="1" dirty="0"/>
+          </a:p>
+        </p:txBody>
+      </p:sp>
     </p:spTree>
     <p:extLst>
       <p:ext uri="{BB962C8B-B14F-4D97-AF65-F5344CB8AC3E}">
